--- a/splash.pptx
+++ b/splash.pptx
@@ -6,7 +6,10 @@
   </p:sldMasterIdLst>
   <p:sldIdLst>
     <p:sldId id="256" r:id="rId2"/>
-    <p:sldId id="257" r:id="rId3"/>
+    <p:sldId id="258" r:id="rId3"/>
+    <p:sldId id="260" r:id="rId4"/>
+    <p:sldId id="261" r:id="rId5"/>
+    <p:sldId id="259" r:id="rId6"/>
   </p:sldIdLst>
   <p:sldSz cx="12192000" cy="6858000"/>
   <p:notesSz cx="6858000" cy="9144000"/>
@@ -273,7 +276,7 @@
           <a:p>
             <a:fld id="{8AA650EF-D4B5-4501-AF52-08828929EFC7}" type="datetimeFigureOut">
               <a:rPr lang="pt-BR" smtClean="0"/>
-              <a:t>16/09/2025</a:t>
+              <a:t>02/12/2025</a:t>
             </a:fld>
             <a:endParaRPr lang="pt-BR"/>
           </a:p>
@@ -473,7 +476,7 @@
           <a:p>
             <a:fld id="{8AA650EF-D4B5-4501-AF52-08828929EFC7}" type="datetimeFigureOut">
               <a:rPr lang="pt-BR" smtClean="0"/>
-              <a:t>16/09/2025</a:t>
+              <a:t>02/12/2025</a:t>
             </a:fld>
             <a:endParaRPr lang="pt-BR"/>
           </a:p>
@@ -683,7 +686,7 @@
           <a:p>
             <a:fld id="{8AA650EF-D4B5-4501-AF52-08828929EFC7}" type="datetimeFigureOut">
               <a:rPr lang="pt-BR" smtClean="0"/>
-              <a:t>16/09/2025</a:t>
+              <a:t>02/12/2025</a:t>
             </a:fld>
             <a:endParaRPr lang="pt-BR"/>
           </a:p>
@@ -883,7 +886,7 @@
           <a:p>
             <a:fld id="{8AA650EF-D4B5-4501-AF52-08828929EFC7}" type="datetimeFigureOut">
               <a:rPr lang="pt-BR" smtClean="0"/>
-              <a:t>16/09/2025</a:t>
+              <a:t>02/12/2025</a:t>
             </a:fld>
             <a:endParaRPr lang="pt-BR"/>
           </a:p>
@@ -1159,7 +1162,7 @@
           <a:p>
             <a:fld id="{8AA650EF-D4B5-4501-AF52-08828929EFC7}" type="datetimeFigureOut">
               <a:rPr lang="pt-BR" smtClean="0"/>
-              <a:t>16/09/2025</a:t>
+              <a:t>02/12/2025</a:t>
             </a:fld>
             <a:endParaRPr lang="pt-BR"/>
           </a:p>
@@ -1427,7 +1430,7 @@
           <a:p>
             <a:fld id="{8AA650EF-D4B5-4501-AF52-08828929EFC7}" type="datetimeFigureOut">
               <a:rPr lang="pt-BR" smtClean="0"/>
-              <a:t>16/09/2025</a:t>
+              <a:t>02/12/2025</a:t>
             </a:fld>
             <a:endParaRPr lang="pt-BR"/>
           </a:p>
@@ -1842,7 +1845,7 @@
           <a:p>
             <a:fld id="{8AA650EF-D4B5-4501-AF52-08828929EFC7}" type="datetimeFigureOut">
               <a:rPr lang="pt-BR" smtClean="0"/>
-              <a:t>16/09/2025</a:t>
+              <a:t>02/12/2025</a:t>
             </a:fld>
             <a:endParaRPr lang="pt-BR"/>
           </a:p>
@@ -1984,7 +1987,7 @@
           <a:p>
             <a:fld id="{8AA650EF-D4B5-4501-AF52-08828929EFC7}" type="datetimeFigureOut">
               <a:rPr lang="pt-BR" smtClean="0"/>
-              <a:t>16/09/2025</a:t>
+              <a:t>02/12/2025</a:t>
             </a:fld>
             <a:endParaRPr lang="pt-BR"/>
           </a:p>
@@ -2097,7 +2100,7 @@
           <a:p>
             <a:fld id="{8AA650EF-D4B5-4501-AF52-08828929EFC7}" type="datetimeFigureOut">
               <a:rPr lang="pt-BR" smtClean="0"/>
-              <a:t>16/09/2025</a:t>
+              <a:t>02/12/2025</a:t>
             </a:fld>
             <a:endParaRPr lang="pt-BR"/>
           </a:p>
@@ -2410,7 +2413,7 @@
           <a:p>
             <a:fld id="{8AA650EF-D4B5-4501-AF52-08828929EFC7}" type="datetimeFigureOut">
               <a:rPr lang="pt-BR" smtClean="0"/>
-              <a:t>16/09/2025</a:t>
+              <a:t>02/12/2025</a:t>
             </a:fld>
             <a:endParaRPr lang="pt-BR"/>
           </a:p>
@@ -2699,7 +2702,7 @@
           <a:p>
             <a:fld id="{8AA650EF-D4B5-4501-AF52-08828929EFC7}" type="datetimeFigureOut">
               <a:rPr lang="pt-BR" smtClean="0"/>
-              <a:t>16/09/2025</a:t>
+              <a:t>02/12/2025</a:t>
             </a:fld>
             <a:endParaRPr lang="pt-BR"/>
           </a:p>
@@ -2942,7 +2945,7 @@
           <a:p>
             <a:fld id="{8AA650EF-D4B5-4501-AF52-08828929EFC7}" type="datetimeFigureOut">
               <a:rPr lang="pt-BR" smtClean="0"/>
-              <a:t>16/09/2025</a:t>
+              <a:t>02/12/2025</a:t>
             </a:fld>
             <a:endParaRPr lang="pt-BR"/>
           </a:p>
@@ -3387,338 +3390,65 @@
         </p:blipFill>
         <p:spPr>
           <a:xfrm>
-            <a:off x="0" y="2"/>
+            <a:off x="0" y="0"/>
             <a:ext cx="12192000" cy="6858000"/>
+          </a:xfrm>
+          <a:prstGeom prst="rect">
+            <a:avLst/>
+          </a:prstGeom>
+          <a:ln w="190500" cap="sq">
+            <a:solidFill>
+              <a:srgbClr val="C8C6BD"/>
+            </a:solidFill>
+            <a:prstDash val="solid"/>
+            <a:miter lim="800000"/>
+          </a:ln>
+          <a:effectLst>
+            <a:outerShdw blurRad="254000" algn="bl" rotWithShape="0">
+              <a:srgbClr val="000000">
+                <a:alpha val="43000"/>
+              </a:srgbClr>
+            </a:outerShdw>
+          </a:effectLst>
+          <a:scene3d>
+            <a:camera prst="perspectiveFront" fov="5400000"/>
+            <a:lightRig rig="threePt" dir="t">
+              <a:rot lat="0" lon="0" rev="2100000"/>
+            </a:lightRig>
+          </a:scene3d>
+          <a:sp3d extrusionH="25400">
+            <a:bevelT w="304800" h="152400" prst="hardEdge"/>
+            <a:extrusionClr>
+              <a:srgbClr val="000000"/>
+            </a:extrusionClr>
+          </a:sp3d>
+        </p:spPr>
+      </p:pic>
+      <p:sp>
+        <p:nvSpPr>
+          <p:cNvPr id="3" name="Rectangle 2">
+            <a:extLst>
+              <a:ext uri="{FF2B5EF4-FFF2-40B4-BE49-F238E27FC236}">
+                <a16:creationId xmlns:a16="http://schemas.microsoft.com/office/drawing/2014/main" id="{23A30572-93B7-6DF8-48EB-36FCBA96304F}"/>
+              </a:ext>
+            </a:extLst>
+          </p:cNvPr>
+          <p:cNvSpPr/>
+          <p:nvPr/>
+        </p:nvSpPr>
+        <p:spPr>
+          <a:xfrm>
+            <a:off x="1439694" y="1323353"/>
+            <a:ext cx="4031125" cy="3955524"/>
           </a:xfrm>
           <a:prstGeom prst="rect">
             <a:avLst/>
           </a:prstGeom>
           <a:solidFill>
-            <a:schemeClr val="bg1"/>
+            <a:srgbClr val="166BA4"/>
           </a:solidFill>
           <a:ln>
-            <a:solidFill>
-              <a:srgbClr val="0D649A"/>
-            </a:solidFill>
-          </a:ln>
-        </p:spPr>
-      </p:pic>
-      <p:pic>
-        <p:nvPicPr>
-          <p:cNvPr id="48" name="Picture 47">
-            <a:extLst>
-              <a:ext uri="{FF2B5EF4-FFF2-40B4-BE49-F238E27FC236}">
-                <a16:creationId xmlns:a16="http://schemas.microsoft.com/office/drawing/2014/main" id="{A5417CF3-75D3-5646-5FAF-39526C43BEEE}"/>
-              </a:ext>
-            </a:extLst>
-          </p:cNvPr>
-          <p:cNvPicPr>
-            <a:picLocks noChangeAspect="1"/>
-          </p:cNvPicPr>
-          <p:nvPr/>
-        </p:nvPicPr>
-        <p:blipFill>
-          <a:blip r:embed="rId3"/>
-          <a:srcRect t="57102"/>
-          <a:stretch/>
-        </p:blipFill>
-        <p:spPr>
-          <a:xfrm>
-            <a:off x="3225102" y="2648391"/>
-            <a:ext cx="2162477" cy="2214935"/>
-          </a:xfrm>
-          <a:prstGeom prst="rect">
-            <a:avLst/>
-          </a:prstGeom>
-        </p:spPr>
-      </p:pic>
-      <p:pic>
-        <p:nvPicPr>
-          <p:cNvPr id="49" name="Picture 48">
-            <a:extLst>
-              <a:ext uri="{FF2B5EF4-FFF2-40B4-BE49-F238E27FC236}">
-                <a16:creationId xmlns:a16="http://schemas.microsoft.com/office/drawing/2014/main" id="{623465B6-6958-A718-A9F4-BEB51A869C27}"/>
-              </a:ext>
-            </a:extLst>
-          </p:cNvPr>
-          <p:cNvPicPr>
-            <a:picLocks noChangeAspect="1"/>
-          </p:cNvPicPr>
-          <p:nvPr/>
-        </p:nvPicPr>
-        <p:blipFill>
-          <a:blip r:embed="rId3"/>
-          <a:srcRect t="57102"/>
-          <a:stretch/>
-        </p:blipFill>
-        <p:spPr>
-          <a:xfrm>
-            <a:off x="1568498" y="2846532"/>
-            <a:ext cx="2162477" cy="2214935"/>
-          </a:xfrm>
-          <a:prstGeom prst="rect">
-            <a:avLst/>
-          </a:prstGeom>
-        </p:spPr>
-      </p:pic>
-      <p:pic>
-        <p:nvPicPr>
-          <p:cNvPr id="12" name="Picture 11">
-            <a:extLst>
-              <a:ext uri="{FF2B5EF4-FFF2-40B4-BE49-F238E27FC236}">
-                <a16:creationId xmlns:a16="http://schemas.microsoft.com/office/drawing/2014/main" id="{824B6E49-EA2F-FC1B-BFB7-81A0D8CCBD27}"/>
-              </a:ext>
-            </a:extLst>
-          </p:cNvPr>
-          <p:cNvPicPr>
-            <a:picLocks noChangeAspect="1"/>
-          </p:cNvPicPr>
-          <p:nvPr/>
-        </p:nvPicPr>
-        <p:blipFill>
-          <a:blip r:embed="rId3"/>
-          <a:srcRect t="57102"/>
-          <a:stretch/>
-        </p:blipFill>
-        <p:spPr>
-          <a:xfrm>
-            <a:off x="1850908" y="1451741"/>
-            <a:ext cx="2162477" cy="2214935"/>
-          </a:xfrm>
-          <a:prstGeom prst="rect">
-            <a:avLst/>
-          </a:prstGeom>
-        </p:spPr>
-      </p:pic>
-      <p:pic>
-        <p:nvPicPr>
-          <p:cNvPr id="47" name="Picture 46">
-            <a:extLst>
-              <a:ext uri="{FF2B5EF4-FFF2-40B4-BE49-F238E27FC236}">
-                <a16:creationId xmlns:a16="http://schemas.microsoft.com/office/drawing/2014/main" id="{126A3005-D828-B956-4897-824C3393F715}"/>
-              </a:ext>
-            </a:extLst>
-          </p:cNvPr>
-          <p:cNvPicPr>
-            <a:picLocks noChangeAspect="1"/>
-          </p:cNvPicPr>
-          <p:nvPr/>
-        </p:nvPicPr>
-        <p:blipFill>
-          <a:blip r:embed="rId3"/>
-          <a:srcRect t="57102"/>
-          <a:stretch/>
-        </p:blipFill>
-        <p:spPr>
-          <a:xfrm>
-            <a:off x="3183993" y="1423267"/>
-            <a:ext cx="2162477" cy="2214935"/>
-          </a:xfrm>
-          <a:prstGeom prst="rect">
-            <a:avLst/>
-          </a:prstGeom>
-        </p:spPr>
-      </p:pic>
-      <p:pic>
-        <p:nvPicPr>
-          <p:cNvPr id="1030" name="Picture 6">
-            <a:extLst>
-              <a:ext uri="{FF2B5EF4-FFF2-40B4-BE49-F238E27FC236}">
-                <a16:creationId xmlns:a16="http://schemas.microsoft.com/office/drawing/2014/main" id="{D6B0A461-8CC9-CABC-CC2D-7AB56C5D3F17}"/>
-              </a:ext>
-            </a:extLst>
-          </p:cNvPr>
-          <p:cNvPicPr>
-            <a:picLocks noChangeAspect="1" noChangeArrowheads="1"/>
-          </p:cNvPicPr>
-          <p:nvPr/>
-        </p:nvPicPr>
-        <p:blipFill>
-          <a:blip r:embed="rId4">
-            <a:duotone>
-              <a:schemeClr val="accent1">
-                <a:shade val="45000"/>
-                <a:satMod val="135000"/>
-              </a:schemeClr>
-              <a:prstClr val="white"/>
-            </a:duotone>
-            <a:extLst>
-              <a:ext uri="{28A0092B-C50C-407E-A947-70E740481C1C}">
-                <a14:useLocalDpi xmlns:a14="http://schemas.microsoft.com/office/drawing/2010/main" val="0"/>
-              </a:ext>
-            </a:extLst>
-          </a:blip>
-          <a:srcRect/>
-          <a:stretch/>
-        </p:blipFill>
-        <p:spPr bwMode="auto">
-          <a:xfrm>
-            <a:off x="2653180" y="4058402"/>
-            <a:ext cx="335427" cy="335427"/>
-          </a:xfrm>
-          <a:prstGeom prst="rect">
-            <a:avLst/>
-          </a:prstGeom>
-          <a:noFill/>
-          <a:extLst>
-            <a:ext uri="{909E8E84-426E-40DD-AFC4-6F175D3DCCD1}">
-              <a14:hiddenFill xmlns:a14="http://schemas.microsoft.com/office/drawing/2010/main">
-                <a:solidFill>
-                  <a:srgbClr val="FFFFFF"/>
-                </a:solidFill>
-              </a14:hiddenFill>
-            </a:ext>
-          </a:extLst>
-        </p:spPr>
-      </p:pic>
-      <p:sp>
-        <p:nvSpPr>
-          <p:cNvPr id="4" name="Rectangle 3">
-            <a:extLst>
-              <a:ext uri="{FF2B5EF4-FFF2-40B4-BE49-F238E27FC236}">
-                <a16:creationId xmlns:a16="http://schemas.microsoft.com/office/drawing/2014/main" id="{70B27927-DAD9-F4E1-2518-21F368879A7B}"/>
-              </a:ext>
-            </a:extLst>
-          </p:cNvPr>
-          <p:cNvSpPr/>
-          <p:nvPr/>
-        </p:nvSpPr>
-        <p:spPr>
-          <a:xfrm>
-            <a:off x="4428262" y="5846802"/>
-            <a:ext cx="7763738" cy="400110"/>
-          </a:xfrm>
-          <a:prstGeom prst="rect">
-            <a:avLst/>
-          </a:prstGeom>
-          <a:noFill/>
-        </p:spPr>
-        <p:txBody>
-          <a:bodyPr wrap="square" lIns="91440" tIns="45720" rIns="91440" bIns="45720">
-            <a:spAutoFit/>
-          </a:bodyPr>
-          <a:lstStyle/>
-          <a:p>
-            <a:pPr algn="ctr"/>
-            <a:r>
-              <a:rPr lang="en-US" sz="2000" b="1" dirty="0">
-                <a:ln w="10160">
-                  <a:solidFill>
-                    <a:srgbClr val="0D649A"/>
-                  </a:solidFill>
-                  <a:prstDash val="solid"/>
-                </a:ln>
-                <a:solidFill>
-                  <a:srgbClr val="FFFFFF"/>
-                </a:solidFill>
-                <a:latin typeface="Arial Black" panose="020B0A04020102020204" pitchFamily="34" charset="0"/>
-              </a:rPr>
-              <a:t>An unofficial app to manage your on-site workdays</a:t>
-            </a:r>
-            <a:endParaRPr lang="pt-BR" sz="2000" b="1" dirty="0">
-              <a:ln w="10160">
-                <a:solidFill>
-                  <a:srgbClr val="0D649A"/>
-                </a:solidFill>
-                <a:prstDash val="solid"/>
-              </a:ln>
-              <a:solidFill>
-                <a:srgbClr val="FFFFFF"/>
-              </a:solidFill>
-              <a:latin typeface="Arial Black" panose="020B0A04020102020204" pitchFamily="34" charset="0"/>
-            </a:endParaRPr>
-          </a:p>
-        </p:txBody>
-      </p:sp>
-      <p:pic>
-        <p:nvPicPr>
-          <p:cNvPr id="6" name="Picture 5" descr="A blue line drawing of a calendar&#10;&#10;AI-generated content may be incorrect.">
-            <a:extLst>
-              <a:ext uri="{FF2B5EF4-FFF2-40B4-BE49-F238E27FC236}">
-                <a16:creationId xmlns:a16="http://schemas.microsoft.com/office/drawing/2014/main" id="{E96132B6-5091-6E80-D00B-466BF4644777}"/>
-              </a:ext>
-            </a:extLst>
-          </p:cNvPr>
-          <p:cNvPicPr>
-            <a:picLocks noChangeAspect="1"/>
-          </p:cNvPicPr>
-          <p:nvPr/>
-        </p:nvPicPr>
-        <p:blipFill>
-          <a:blip r:embed="rId5">
-            <a:duotone>
-              <a:schemeClr val="bg2">
-                <a:shade val="45000"/>
-                <a:satMod val="135000"/>
-              </a:schemeClr>
-              <a:prstClr val="white"/>
-            </a:duotone>
-            <a:alphaModFix/>
-            <a:extLst>
-              <a:ext uri="{BEBA8EAE-BF5A-486C-A8C5-ECC9F3942E4B}">
-                <a14:imgProps xmlns:a14="http://schemas.microsoft.com/office/drawing/2010/main">
-                  <a14:imgLayer r:embed="rId6">
-                    <a14:imgEffect>
-                      <a14:artisticPhotocopy/>
-                    </a14:imgEffect>
-                    <a14:imgEffect>
-                      <a14:sharpenSoften amount="50000"/>
-                    </a14:imgEffect>
-                    <a14:imgEffect>
-                      <a14:saturation sat="0"/>
-                    </a14:imgEffect>
-                    <a14:imgEffect>
-                      <a14:brightnessContrast contrast="40000"/>
-                    </a14:imgEffect>
-                  </a14:imgLayer>
-                </a14:imgProps>
-              </a:ext>
-              <a:ext uri="{28A0092B-C50C-407E-A947-70E740481C1C}">
-                <a14:useLocalDpi xmlns:a14="http://schemas.microsoft.com/office/drawing/2010/main" val="0"/>
-              </a:ext>
-            </a:extLst>
-          </a:blip>
-          <a:stretch>
-            <a:fillRect/>
-          </a:stretch>
-        </p:blipFill>
-        <p:spPr>
-          <a:xfrm>
-            <a:off x="1851327" y="1738790"/>
-            <a:ext cx="3597836" cy="3145700"/>
-          </a:xfrm>
-          <a:prstGeom prst="rect">
-            <a:avLst/>
-          </a:prstGeom>
-        </p:spPr>
-      </p:pic>
-      <p:sp>
-        <p:nvSpPr>
-          <p:cNvPr id="31" name="Rectangle: Rounded Corners 30">
-            <a:extLst>
-              <a:ext uri="{FF2B5EF4-FFF2-40B4-BE49-F238E27FC236}">
-                <a16:creationId xmlns:a16="http://schemas.microsoft.com/office/drawing/2014/main" id="{2DCED245-B7BA-C6A1-A805-DB13F82CFC83}"/>
-              </a:ext>
-            </a:extLst>
-          </p:cNvPr>
-          <p:cNvSpPr/>
-          <p:nvPr/>
-        </p:nvSpPr>
-        <p:spPr>
-          <a:xfrm>
-            <a:off x="3314906" y="3012925"/>
-            <a:ext cx="671222" cy="603731"/>
-          </a:xfrm>
-          <a:prstGeom prst="roundRect">
-            <a:avLst/>
-          </a:prstGeom>
-          <a:solidFill>
-            <a:schemeClr val="bg1"/>
-          </a:solidFill>
-          <a:ln>
-            <a:solidFill>
-              <a:srgbClr val="0D649A"/>
-            </a:solidFill>
+            <a:noFill/>
           </a:ln>
         </p:spPr>
         <p:style>
@@ -3742,16 +3472,68 @@
           <a:lstStyle/>
           <a:p>
             <a:pPr algn="ctr"/>
-            <a:endParaRPr lang="pt-BR" sz="1253"/>
-          </a:p>
-        </p:txBody>
-      </p:sp>
-      <p:sp>
-        <p:nvSpPr>
-          <p:cNvPr id="33" name="Rectangle: Rounded Corners 32">
-            <a:extLst>
-              <a:ext uri="{FF2B5EF4-FFF2-40B4-BE49-F238E27FC236}">
-                <a16:creationId xmlns:a16="http://schemas.microsoft.com/office/drawing/2014/main" id="{D85E5D68-4963-B9E3-91A1-139AF9C8F72F}"/>
+            <a:endParaRPr lang="pt-BR"/>
+          </a:p>
+        </p:txBody>
+      </p:sp>
+      <p:pic>
+        <p:nvPicPr>
+          <p:cNvPr id="1030" name="Picture 6">
+            <a:extLst>
+              <a:ext uri="{FF2B5EF4-FFF2-40B4-BE49-F238E27FC236}">
+                <a16:creationId xmlns:a16="http://schemas.microsoft.com/office/drawing/2014/main" id="{D6B0A461-8CC9-CABC-CC2D-7AB56C5D3F17}"/>
+              </a:ext>
+            </a:extLst>
+          </p:cNvPr>
+          <p:cNvPicPr>
+            <a:picLocks noChangeAspect="1" noChangeArrowheads="1"/>
+          </p:cNvPicPr>
+          <p:nvPr/>
+        </p:nvPicPr>
+        <p:blipFill>
+          <a:blip r:embed="rId3">
+            <a:duotone>
+              <a:schemeClr val="accent1">
+                <a:shade val="45000"/>
+                <a:satMod val="135000"/>
+              </a:schemeClr>
+              <a:prstClr val="white"/>
+            </a:duotone>
+            <a:extLst>
+              <a:ext uri="{28A0092B-C50C-407E-A947-70E740481C1C}">
+                <a14:useLocalDpi xmlns:a14="http://schemas.microsoft.com/office/drawing/2010/main" val="0"/>
+              </a:ext>
+            </a:extLst>
+          </a:blip>
+          <a:srcRect/>
+          <a:stretch/>
+        </p:blipFill>
+        <p:spPr bwMode="auto">
+          <a:xfrm>
+            <a:off x="2653180" y="4058402"/>
+            <a:ext cx="335427" cy="335427"/>
+          </a:xfrm>
+          <a:prstGeom prst="rect">
+            <a:avLst/>
+          </a:prstGeom>
+          <a:noFill/>
+          <a:extLst>
+            <a:ext uri="{909E8E84-426E-40DD-AFC4-6F175D3DCCD1}">
+              <a14:hiddenFill xmlns:a14="http://schemas.microsoft.com/office/drawing/2010/main">
+                <a:solidFill>
+                  <a:srgbClr val="FFFFFF"/>
+                </a:solidFill>
+              </a14:hiddenFill>
+            </a:ext>
+          </a:extLst>
+        </p:spPr>
+      </p:pic>
+      <p:sp>
+        <p:nvSpPr>
+          <p:cNvPr id="4" name="Rectangle 3">
+            <a:extLst>
+              <a:ext uri="{FF2B5EF4-FFF2-40B4-BE49-F238E27FC236}">
+                <a16:creationId xmlns:a16="http://schemas.microsoft.com/office/drawing/2014/main" id="{70B27927-DAD9-F4E1-2518-21F368879A7B}"/>
               </a:ext>
             </a:extLst>
           </p:cNvPr>
@@ -3760,14 +3542,169 @@
         </p:nvSpPr>
         <p:spPr>
           <a:xfrm>
-            <a:off x="2138286" y="973773"/>
-            <a:ext cx="513977" cy="425826"/>
+            <a:off x="4216564" y="6261525"/>
+            <a:ext cx="7763738" cy="400110"/>
+          </a:xfrm>
+          <a:prstGeom prst="rect">
+            <a:avLst/>
+          </a:prstGeom>
+          <a:noFill/>
+          <a:ln>
+            <a:noFill/>
+          </a:ln>
+          <a:effectLst>
+            <a:glow rad="228600">
+              <a:schemeClr val="accent1">
+                <a:satMod val="175000"/>
+                <a:alpha val="40000"/>
+              </a:schemeClr>
+            </a:glow>
+            <a:outerShdw blurRad="149987" dist="250190" dir="8460000" algn="ctr">
+              <a:srgbClr val="000000">
+                <a:alpha val="28000"/>
+              </a:srgbClr>
+            </a:outerShdw>
+          </a:effectLst>
+          <a:scene3d>
+            <a:camera prst="orthographicFront">
+              <a:rot lat="0" lon="0" rev="0"/>
+            </a:camera>
+            <a:lightRig rig="contrasting" dir="t">
+              <a:rot lat="0" lon="0" rev="1500000"/>
+            </a:lightRig>
+          </a:scene3d>
+          <a:sp3d prstMaterial="metal">
+            <a:bevelT w="88900" h="88900"/>
+          </a:sp3d>
+        </p:spPr>
+        <p:txBody>
+          <a:bodyPr wrap="square" lIns="91440" tIns="45720" rIns="91440" bIns="45720">
+            <a:spAutoFit/>
+          </a:bodyPr>
+          <a:lstStyle/>
+          <a:p>
+            <a:pPr algn="ctr"/>
+            <a:r>
+              <a:rPr lang="en-US" sz="2000" b="1" spc="50" dirty="0">
+                <a:ln w="0"/>
+                <a:solidFill>
+                  <a:schemeClr val="bg1"/>
+                </a:solidFill>
+                <a:latin typeface="Arial Black" panose="020B0A04020102020204" pitchFamily="34" charset="0"/>
+              </a:rPr>
+              <a:t>An unofficial app to manage your on-site workdays</a:t>
+            </a:r>
+            <a:endParaRPr lang="pt-BR" sz="2000" b="1" spc="50" dirty="0">
+              <a:ln w="0"/>
+              <a:solidFill>
+                <a:schemeClr val="bg1"/>
+              </a:solidFill>
+              <a:latin typeface="Arial Black" panose="020B0A04020102020204" pitchFamily="34" charset="0"/>
+            </a:endParaRPr>
+          </a:p>
+        </p:txBody>
+      </p:sp>
+      <p:pic>
+        <p:nvPicPr>
+          <p:cNvPr id="6" name="Picture 5" descr="A blue line drawing of a calendar&#10;&#10;AI-generated content may be incorrect.">
+            <a:extLst>
+              <a:ext uri="{FF2B5EF4-FFF2-40B4-BE49-F238E27FC236}">
+                <a16:creationId xmlns:a16="http://schemas.microsoft.com/office/drawing/2014/main" id="{E96132B6-5091-6E80-D00B-466BF4644777}"/>
+              </a:ext>
+            </a:extLst>
+          </p:cNvPr>
+          <p:cNvPicPr>
+            <a:picLocks noChangeAspect="1"/>
+          </p:cNvPicPr>
+          <p:nvPr/>
+        </p:nvPicPr>
+        <p:blipFill>
+          <a:blip r:embed="rId4">
+            <a:clrChange>
+              <a:clrFrom>
+                <a:srgbClr val="13689D"/>
+              </a:clrFrom>
+              <a:clrTo>
+                <a:srgbClr val="13689D">
+                  <a:alpha val="0"/>
+                </a:srgbClr>
+              </a:clrTo>
+            </a:clrChange>
+            <a:duotone>
+              <a:schemeClr val="bg2">
+                <a:shade val="45000"/>
+                <a:satMod val="135000"/>
+              </a:schemeClr>
+              <a:prstClr val="white"/>
+            </a:duotone>
+            <a:alphaModFix/>
+            <a:extLst>
+              <a:ext uri="{BEBA8EAE-BF5A-486C-A8C5-ECC9F3942E4B}">
+                <a14:imgProps xmlns:a14="http://schemas.microsoft.com/office/drawing/2010/main">
+                  <a14:imgLayer r:embed="rId5">
+                    <a14:imgEffect>
+                      <a14:artisticPhotocopy/>
+                    </a14:imgEffect>
+                    <a14:imgEffect>
+                      <a14:sharpenSoften amount="50000"/>
+                    </a14:imgEffect>
+                    <a14:imgEffect>
+                      <a14:saturation sat="0"/>
+                    </a14:imgEffect>
+                    <a14:imgEffect>
+                      <a14:brightnessContrast contrast="40000"/>
+                    </a14:imgEffect>
+                  </a14:imgLayer>
+                </a14:imgProps>
+              </a:ext>
+              <a:ext uri="{28A0092B-C50C-407E-A947-70E740481C1C}">
+                <a14:useLocalDpi xmlns:a14="http://schemas.microsoft.com/office/drawing/2010/main" val="0"/>
+              </a:ext>
+            </a:extLst>
+          </a:blip>
+          <a:stretch>
+            <a:fillRect/>
+          </a:stretch>
+        </p:blipFill>
+        <p:spPr>
+          <a:xfrm>
+            <a:off x="1851599" y="1741007"/>
+            <a:ext cx="3597836" cy="3145700"/>
+          </a:xfrm>
+          <a:prstGeom prst="rect">
+            <a:avLst/>
+          </a:prstGeom>
+          <a:effectLst>
+            <a:outerShdw blurRad="50800" dist="38100" dir="2700000" algn="tl" rotWithShape="0">
+              <a:prstClr val="black">
+                <a:alpha val="40000"/>
+              </a:prstClr>
+            </a:outerShdw>
+          </a:effectLst>
+        </p:spPr>
+      </p:pic>
+      <p:sp>
+        <p:nvSpPr>
+          <p:cNvPr id="31" name="Rectangle: Rounded Corners 30">
+            <a:extLst>
+              <a:ext uri="{FF2B5EF4-FFF2-40B4-BE49-F238E27FC236}">
+                <a16:creationId xmlns:a16="http://schemas.microsoft.com/office/drawing/2014/main" id="{2DCED245-B7BA-C6A1-A805-DB13F82CFC83}"/>
+              </a:ext>
+            </a:extLst>
+          </p:cNvPr>
+          <p:cNvSpPr/>
+          <p:nvPr/>
+        </p:nvSpPr>
+        <p:spPr>
+          <a:xfrm>
+            <a:off x="3314906" y="3012925"/>
+            <a:ext cx="671222" cy="603731"/>
           </a:xfrm>
           <a:prstGeom prst="roundRect">
             <a:avLst/>
           </a:prstGeom>
           <a:solidFill>
-            <a:srgbClr val="F3ED01"/>
+            <a:schemeClr val="bg1"/>
           </a:solidFill>
           <a:ln>
             <a:solidFill>
@@ -3802,10 +3739,10 @@
       </p:sp>
       <p:sp>
         <p:nvSpPr>
-          <p:cNvPr id="34" name="Rectangle: Rounded Corners 33">
-            <a:extLst>
-              <a:ext uri="{FF2B5EF4-FFF2-40B4-BE49-F238E27FC236}">
-                <a16:creationId xmlns:a16="http://schemas.microsoft.com/office/drawing/2014/main" id="{B3BCA0E1-F391-CAC3-526B-6FCC5EE1164D}"/>
+          <p:cNvPr id="33" name="Rectangle: Rounded Corners 32">
+            <a:extLst>
+              <a:ext uri="{FF2B5EF4-FFF2-40B4-BE49-F238E27FC236}">
+                <a16:creationId xmlns:a16="http://schemas.microsoft.com/office/drawing/2014/main" id="{D85E5D68-4963-B9E3-91A1-139AF9C8F72F}"/>
               </a:ext>
             </a:extLst>
           </p:cNvPr>
@@ -3814,20 +3751,27 @@
         </p:nvSpPr>
         <p:spPr>
           <a:xfrm>
-            <a:off x="1352380" y="425435"/>
+            <a:off x="2138286" y="973773"/>
             <a:ext cx="513977" cy="425826"/>
           </a:xfrm>
           <a:prstGeom prst="roundRect">
             <a:avLst/>
           </a:prstGeom>
           <a:solidFill>
-            <a:schemeClr val="bg1"/>
+            <a:srgbClr val="F3ED01"/>
           </a:solidFill>
           <a:ln>
             <a:solidFill>
               <a:srgbClr val="0D649A"/>
             </a:solidFill>
           </a:ln>
+          <a:effectLst>
+            <a:outerShdw blurRad="50800" dist="38100" dir="2700000" algn="tl" rotWithShape="0">
+              <a:prstClr val="black">
+                <a:alpha val="40000"/>
+              </a:prstClr>
+            </a:outerShdw>
+          </a:effectLst>
         </p:spPr>
         <p:style>
           <a:lnRef idx="2">
@@ -3856,10 +3800,10 @@
       </p:sp>
       <p:sp>
         <p:nvSpPr>
-          <p:cNvPr id="35" name="Rectangle: Rounded Corners 34">
-            <a:extLst>
-              <a:ext uri="{FF2B5EF4-FFF2-40B4-BE49-F238E27FC236}">
-                <a16:creationId xmlns:a16="http://schemas.microsoft.com/office/drawing/2014/main" id="{7F593C5F-4332-5F2D-DA03-AFB7D67F7761}"/>
+          <p:cNvPr id="34" name="Rectangle: Rounded Corners 33">
+            <a:extLst>
+              <a:ext uri="{FF2B5EF4-FFF2-40B4-BE49-F238E27FC236}">
+                <a16:creationId xmlns:a16="http://schemas.microsoft.com/office/drawing/2014/main" id="{B3BCA0E1-F391-CAC3-526B-6FCC5EE1164D}"/>
               </a:ext>
             </a:extLst>
           </p:cNvPr>
@@ -3868,7 +3812,7 @@
         </p:nvSpPr>
         <p:spPr>
           <a:xfrm>
-            <a:off x="1352380" y="1528094"/>
+            <a:off x="1352380" y="425435"/>
             <a:ext cx="513977" cy="425826"/>
           </a:xfrm>
           <a:prstGeom prst="roundRect">
@@ -3882,6 +3826,13 @@
               <a:srgbClr val="0D649A"/>
             </a:solidFill>
           </a:ln>
+          <a:effectLst>
+            <a:outerShdw blurRad="50800" dist="38100" dir="2700000" algn="tl" rotWithShape="0">
+              <a:prstClr val="black">
+                <a:alpha val="40000"/>
+              </a:prstClr>
+            </a:outerShdw>
+          </a:effectLst>
         </p:spPr>
         <p:style>
           <a:lnRef idx="2">
@@ -3910,10 +3861,10 @@
       </p:sp>
       <p:sp>
         <p:nvSpPr>
-          <p:cNvPr id="36" name="Rectangle: Rounded Corners 35">
-            <a:extLst>
-              <a:ext uri="{FF2B5EF4-FFF2-40B4-BE49-F238E27FC236}">
-                <a16:creationId xmlns:a16="http://schemas.microsoft.com/office/drawing/2014/main" id="{D415AA63-ABEC-63FA-41A9-7571E0B244FE}"/>
+          <p:cNvPr id="35" name="Rectangle: Rounded Corners 34">
+            <a:extLst>
+              <a:ext uri="{FF2B5EF4-FFF2-40B4-BE49-F238E27FC236}">
+                <a16:creationId xmlns:a16="http://schemas.microsoft.com/office/drawing/2014/main" id="{7F593C5F-4332-5F2D-DA03-AFB7D67F7761}"/>
               </a:ext>
             </a:extLst>
           </p:cNvPr>
@@ -3922,7 +3873,7 @@
         </p:nvSpPr>
         <p:spPr>
           <a:xfrm>
-            <a:off x="572450" y="1528094"/>
+            <a:off x="1352380" y="1528094"/>
             <a:ext cx="513977" cy="425826"/>
           </a:xfrm>
           <a:prstGeom prst="roundRect">
@@ -3936,6 +3887,13 @@
               <a:srgbClr val="0D649A"/>
             </a:solidFill>
           </a:ln>
+          <a:effectLst>
+            <a:outerShdw blurRad="50800" dist="38100" dir="2700000" algn="tl" rotWithShape="0">
+              <a:prstClr val="black">
+                <a:alpha val="40000"/>
+              </a:prstClr>
+            </a:outerShdw>
+          </a:effectLst>
         </p:spPr>
         <p:style>
           <a:lnRef idx="2">
@@ -3964,10 +3922,10 @@
       </p:sp>
       <p:sp>
         <p:nvSpPr>
-          <p:cNvPr id="37" name="Rectangle: Rounded Corners 36">
-            <a:extLst>
-              <a:ext uri="{FF2B5EF4-FFF2-40B4-BE49-F238E27FC236}">
-                <a16:creationId xmlns:a16="http://schemas.microsoft.com/office/drawing/2014/main" id="{13D3FD4B-4A6A-313B-E1BE-CAC906693004}"/>
+          <p:cNvPr id="36" name="Rectangle: Rounded Corners 35">
+            <a:extLst>
+              <a:ext uri="{FF2B5EF4-FFF2-40B4-BE49-F238E27FC236}">
+                <a16:creationId xmlns:a16="http://schemas.microsoft.com/office/drawing/2014/main" id="{D415AA63-ABEC-63FA-41A9-7571E0B244FE}"/>
               </a:ext>
             </a:extLst>
           </p:cNvPr>
@@ -3976,20 +3934,27 @@
         </p:nvSpPr>
         <p:spPr>
           <a:xfrm>
-            <a:off x="572450" y="973773"/>
+            <a:off x="572450" y="1528094"/>
             <a:ext cx="513977" cy="425826"/>
           </a:xfrm>
           <a:prstGeom prst="roundRect">
             <a:avLst/>
           </a:prstGeom>
           <a:solidFill>
-            <a:srgbClr val="00B050"/>
+            <a:schemeClr val="bg1"/>
           </a:solidFill>
           <a:ln>
             <a:solidFill>
               <a:srgbClr val="0D649A"/>
             </a:solidFill>
           </a:ln>
+          <a:effectLst>
+            <a:outerShdw blurRad="50800" dist="38100" dir="2700000" algn="tl" rotWithShape="0">
+              <a:prstClr val="black">
+                <a:alpha val="40000"/>
+              </a:prstClr>
+            </a:outerShdw>
+          </a:effectLst>
         </p:spPr>
         <p:style>
           <a:lnRef idx="2">
@@ -4016,12 +3981,360 @@
           </a:p>
         </p:txBody>
       </p:sp>
+      <p:sp>
+        <p:nvSpPr>
+          <p:cNvPr id="37" name="Rectangle: Rounded Corners 36">
+            <a:extLst>
+              <a:ext uri="{FF2B5EF4-FFF2-40B4-BE49-F238E27FC236}">
+                <a16:creationId xmlns:a16="http://schemas.microsoft.com/office/drawing/2014/main" id="{13D3FD4B-4A6A-313B-E1BE-CAC906693004}"/>
+              </a:ext>
+            </a:extLst>
+          </p:cNvPr>
+          <p:cNvSpPr/>
+          <p:nvPr/>
+        </p:nvSpPr>
+        <p:spPr>
+          <a:xfrm>
+            <a:off x="572450" y="973773"/>
+            <a:ext cx="513977" cy="425826"/>
+          </a:xfrm>
+          <a:prstGeom prst="roundRect">
+            <a:avLst/>
+          </a:prstGeom>
+          <a:solidFill>
+            <a:srgbClr val="00B050"/>
+          </a:solidFill>
+          <a:ln>
+            <a:solidFill>
+              <a:srgbClr val="0D649A"/>
+            </a:solidFill>
+          </a:ln>
+          <a:effectLst>
+            <a:outerShdw blurRad="50800" dist="38100" dir="2700000" algn="tl" rotWithShape="0">
+              <a:prstClr val="black">
+                <a:alpha val="40000"/>
+              </a:prstClr>
+            </a:outerShdw>
+          </a:effectLst>
+        </p:spPr>
+        <p:style>
+          <a:lnRef idx="2">
+            <a:schemeClr val="accent1">
+              <a:shade val="15000"/>
+            </a:schemeClr>
+          </a:lnRef>
+          <a:fillRef idx="1">
+            <a:schemeClr val="accent1"/>
+          </a:fillRef>
+          <a:effectRef idx="0">
+            <a:schemeClr val="accent1"/>
+          </a:effectRef>
+          <a:fontRef idx="minor">
+            <a:schemeClr val="lt1"/>
+          </a:fontRef>
+        </p:style>
+        <p:txBody>
+          <a:bodyPr rtlCol="0" anchor="ctr"/>
+          <a:lstStyle/>
+          <a:p>
+            <a:pPr algn="ctr"/>
+            <a:endParaRPr lang="pt-BR" sz="1253"/>
+          </a:p>
+        </p:txBody>
+      </p:sp>
       <p:pic>
         <p:nvPicPr>
           <p:cNvPr id="38" name="Picture 2" descr="65+ Thousand Airplane Pictogram Royalty-Free Images, Stock Photos &amp;  Pictures | Shutterstock">
             <a:extLst>
               <a:ext uri="{FF2B5EF4-FFF2-40B4-BE49-F238E27FC236}">
                 <a16:creationId xmlns:a16="http://schemas.microsoft.com/office/drawing/2014/main" id="{AC16D067-C17B-885D-C5C2-42EFF297B7DF}"/>
+              </a:ext>
+            </a:extLst>
+          </p:cNvPr>
+          <p:cNvPicPr>
+            <a:picLocks noChangeAspect="1" noChangeArrowheads="1"/>
+          </p:cNvPicPr>
+          <p:nvPr/>
+        </p:nvPicPr>
+        <p:blipFill>
+          <a:blip r:embed="rId6">
+            <a:clrChange>
+              <a:clrFrom>
+                <a:srgbClr val="FFFFFF"/>
+              </a:clrFrom>
+              <a:clrTo>
+                <a:srgbClr val="FFFFFF">
+                  <a:alpha val="0"/>
+                </a:srgbClr>
+              </a:clrTo>
+            </a:clrChange>
+            <a:duotone>
+              <a:schemeClr val="accent1">
+                <a:shade val="45000"/>
+                <a:satMod val="135000"/>
+              </a:schemeClr>
+              <a:prstClr val="white"/>
+            </a:duotone>
+            <a:extLst>
+              <a:ext uri="{28A0092B-C50C-407E-A947-70E740481C1C}">
+                <a14:useLocalDpi xmlns:a14="http://schemas.microsoft.com/office/drawing/2010/main" val="0"/>
+              </a:ext>
+            </a:extLst>
+          </a:blip>
+          <a:srcRect/>
+          <a:stretch>
+            <a:fillRect/>
+          </a:stretch>
+        </p:blipFill>
+        <p:spPr bwMode="auto">
+          <a:xfrm>
+            <a:off x="3351159" y="3033762"/>
+            <a:ext cx="611820" cy="611820"/>
+          </a:xfrm>
+          <a:prstGeom prst="rect">
+            <a:avLst/>
+          </a:prstGeom>
+          <a:noFill/>
+          <a:effectLst>
+            <a:outerShdw blurRad="50800" dist="38100" dir="2700000" algn="tl" rotWithShape="0">
+              <a:prstClr val="black">
+                <a:alpha val="40000"/>
+              </a:prstClr>
+            </a:outerShdw>
+          </a:effectLst>
+          <a:extLst>
+            <a:ext uri="{909E8E84-426E-40DD-AFC4-6F175D3DCCD1}">
+              <a14:hiddenFill xmlns:a14="http://schemas.microsoft.com/office/drawing/2010/main">
+                <a:solidFill>
+                  <a:srgbClr val="FFFFFF"/>
+                </a:solidFill>
+              </a14:hiddenFill>
+            </a:ext>
+          </a:extLst>
+        </p:spPr>
+      </p:pic>
+      <p:sp>
+        <p:nvSpPr>
+          <p:cNvPr id="43" name="Rectangle: Rounded Corners 42">
+            <a:extLst>
+              <a:ext uri="{FF2B5EF4-FFF2-40B4-BE49-F238E27FC236}">
+                <a16:creationId xmlns:a16="http://schemas.microsoft.com/office/drawing/2014/main" id="{9039415B-5A4B-C3A5-4916-7BB10D636242}"/>
+              </a:ext>
+            </a:extLst>
+          </p:cNvPr>
+          <p:cNvSpPr/>
+          <p:nvPr/>
+        </p:nvSpPr>
+        <p:spPr>
+          <a:xfrm>
+            <a:off x="2416687" y="3013512"/>
+            <a:ext cx="671222" cy="603731"/>
+          </a:xfrm>
+          <a:prstGeom prst="roundRect">
+            <a:avLst/>
+          </a:prstGeom>
+          <a:solidFill>
+            <a:schemeClr val="bg1"/>
+          </a:solidFill>
+          <a:ln>
+            <a:solidFill>
+              <a:srgbClr val="0D649A"/>
+            </a:solidFill>
+          </a:ln>
+        </p:spPr>
+        <p:style>
+          <a:lnRef idx="2">
+            <a:schemeClr val="accent1">
+              <a:shade val="15000"/>
+            </a:schemeClr>
+          </a:lnRef>
+          <a:fillRef idx="1">
+            <a:schemeClr val="accent1"/>
+          </a:fillRef>
+          <a:effectRef idx="0">
+            <a:schemeClr val="accent1"/>
+          </a:effectRef>
+          <a:fontRef idx="minor">
+            <a:schemeClr val="lt1"/>
+          </a:fontRef>
+        </p:style>
+        <p:txBody>
+          <a:bodyPr rtlCol="0" anchor="ctr"/>
+          <a:lstStyle/>
+          <a:p>
+            <a:pPr algn="ctr"/>
+            <a:endParaRPr lang="pt-BR" sz="1253"/>
+          </a:p>
+        </p:txBody>
+      </p:sp>
+      <p:sp>
+        <p:nvSpPr>
+          <p:cNvPr id="44" name="Rectangle: Rounded Corners 43">
+            <a:extLst>
+              <a:ext uri="{FF2B5EF4-FFF2-40B4-BE49-F238E27FC236}">
+                <a16:creationId xmlns:a16="http://schemas.microsoft.com/office/drawing/2014/main" id="{4B0C08B5-3DEC-4CE3-3A40-74D2E3B9BB7E}"/>
+              </a:ext>
+            </a:extLst>
+          </p:cNvPr>
+          <p:cNvSpPr/>
+          <p:nvPr/>
+        </p:nvSpPr>
+        <p:spPr>
+          <a:xfrm>
+            <a:off x="2416687" y="3790098"/>
+            <a:ext cx="671222" cy="603731"/>
+          </a:xfrm>
+          <a:prstGeom prst="roundRect">
+            <a:avLst/>
+          </a:prstGeom>
+          <a:solidFill>
+            <a:schemeClr val="bg1"/>
+          </a:solidFill>
+          <a:ln>
+            <a:solidFill>
+              <a:srgbClr val="0D649A"/>
+            </a:solidFill>
+          </a:ln>
+        </p:spPr>
+        <p:style>
+          <a:lnRef idx="2">
+            <a:schemeClr val="accent1">
+              <a:shade val="15000"/>
+            </a:schemeClr>
+          </a:lnRef>
+          <a:fillRef idx="1">
+            <a:schemeClr val="accent1"/>
+          </a:fillRef>
+          <a:effectRef idx="0">
+            <a:schemeClr val="accent1"/>
+          </a:effectRef>
+          <a:fontRef idx="minor">
+            <a:schemeClr val="lt1"/>
+          </a:fontRef>
+        </p:style>
+        <p:txBody>
+          <a:bodyPr rtlCol="0" anchor="ctr"/>
+          <a:lstStyle/>
+          <a:p>
+            <a:pPr algn="ctr"/>
+            <a:endParaRPr lang="pt-BR" sz="1253"/>
+          </a:p>
+        </p:txBody>
+      </p:sp>
+      <p:sp>
+        <p:nvSpPr>
+          <p:cNvPr id="45" name="Rectangle: Rounded Corners 44">
+            <a:extLst>
+              <a:ext uri="{FF2B5EF4-FFF2-40B4-BE49-F238E27FC236}">
+                <a16:creationId xmlns:a16="http://schemas.microsoft.com/office/drawing/2014/main" id="{22039B95-3987-5A93-11A4-046E95C1B16A}"/>
+              </a:ext>
+            </a:extLst>
+          </p:cNvPr>
+          <p:cNvSpPr/>
+          <p:nvPr/>
+        </p:nvSpPr>
+        <p:spPr>
+          <a:xfrm>
+            <a:off x="4216564" y="3009775"/>
+            <a:ext cx="671222" cy="603731"/>
+          </a:xfrm>
+          <a:prstGeom prst="roundRect">
+            <a:avLst/>
+          </a:prstGeom>
+          <a:solidFill>
+            <a:schemeClr val="bg1"/>
+          </a:solidFill>
+          <a:ln>
+            <a:solidFill>
+              <a:srgbClr val="0D649A"/>
+            </a:solidFill>
+          </a:ln>
+        </p:spPr>
+        <p:style>
+          <a:lnRef idx="2">
+            <a:schemeClr val="accent1">
+              <a:shade val="15000"/>
+            </a:schemeClr>
+          </a:lnRef>
+          <a:fillRef idx="1">
+            <a:schemeClr val="accent1"/>
+          </a:fillRef>
+          <a:effectRef idx="0">
+            <a:schemeClr val="accent1"/>
+          </a:effectRef>
+          <a:fontRef idx="minor">
+            <a:schemeClr val="lt1"/>
+          </a:fontRef>
+        </p:style>
+        <p:txBody>
+          <a:bodyPr rtlCol="0" anchor="ctr"/>
+          <a:lstStyle/>
+          <a:p>
+            <a:pPr algn="ctr"/>
+            <a:endParaRPr lang="pt-BR" sz="1253"/>
+          </a:p>
+        </p:txBody>
+      </p:sp>
+      <p:sp>
+        <p:nvSpPr>
+          <p:cNvPr id="46" name="Rectangle: Rounded Corners 45">
+            <a:extLst>
+              <a:ext uri="{FF2B5EF4-FFF2-40B4-BE49-F238E27FC236}">
+                <a16:creationId xmlns:a16="http://schemas.microsoft.com/office/drawing/2014/main" id="{77271F02-2D02-28B1-1CD8-0537C8FA80E0}"/>
+              </a:ext>
+            </a:extLst>
+          </p:cNvPr>
+          <p:cNvSpPr/>
+          <p:nvPr/>
+        </p:nvSpPr>
+        <p:spPr>
+          <a:xfrm>
+            <a:off x="4209520" y="3790098"/>
+            <a:ext cx="671222" cy="603731"/>
+          </a:xfrm>
+          <a:prstGeom prst="roundRect">
+            <a:avLst/>
+          </a:prstGeom>
+          <a:solidFill>
+            <a:schemeClr val="bg1"/>
+          </a:solidFill>
+          <a:ln>
+            <a:solidFill>
+              <a:srgbClr val="0D649A"/>
+            </a:solidFill>
+          </a:ln>
+        </p:spPr>
+        <p:style>
+          <a:lnRef idx="2">
+            <a:schemeClr val="accent1">
+              <a:shade val="15000"/>
+            </a:schemeClr>
+          </a:lnRef>
+          <a:fillRef idx="1">
+            <a:schemeClr val="accent1"/>
+          </a:fillRef>
+          <a:effectRef idx="0">
+            <a:schemeClr val="accent1"/>
+          </a:effectRef>
+          <a:fontRef idx="minor">
+            <a:schemeClr val="lt1"/>
+          </a:fontRef>
+        </p:style>
+        <p:txBody>
+          <a:bodyPr rtlCol="0" anchor="ctr"/>
+          <a:lstStyle/>
+          <a:p>
+            <a:pPr algn="ctr"/>
+            <a:endParaRPr lang="pt-BR" sz="1253"/>
+          </a:p>
+        </p:txBody>
+      </p:sp>
+      <p:pic>
+        <p:nvPicPr>
+          <p:cNvPr id="40" name="Picture 4" descr="Home Icons transparent PNG images - StickPNG">
+            <a:extLst>
+              <a:ext uri="{FF2B5EF4-FFF2-40B4-BE49-F238E27FC236}">
+                <a16:creationId xmlns:a16="http://schemas.microsoft.com/office/drawing/2014/main" id="{B4C8DBB5-9733-9E19-0B44-28A1C14A9E1A}"/>
               </a:ext>
             </a:extLst>
           </p:cNvPr>
@@ -4062,13 +4375,20 @@
         </p:blipFill>
         <p:spPr bwMode="auto">
           <a:xfrm>
-            <a:off x="3351159" y="3033762"/>
-            <a:ext cx="611820" cy="611820"/>
+            <a:off x="4293044" y="3061017"/>
+            <a:ext cx="504174" cy="504174"/>
           </a:xfrm>
           <a:prstGeom prst="rect">
             <a:avLst/>
           </a:prstGeom>
           <a:noFill/>
+          <a:effectLst>
+            <a:outerShdw blurRad="50800" dist="38100" dir="2700000" algn="tl" rotWithShape="0">
+              <a:prstClr val="black">
+                <a:alpha val="40000"/>
+              </a:prstClr>
+            </a:outerShdw>
+          </a:effectLst>
           <a:extLst>
             <a:ext uri="{909E8E84-426E-40DD-AFC4-6F175D3DCCD1}">
               <a14:hiddenFill xmlns:a14="http://schemas.microsoft.com/office/drawing/2010/main">
@@ -4080,228 +4400,12 @@
           </a:extLst>
         </p:spPr>
       </p:pic>
-      <p:sp>
-        <p:nvSpPr>
-          <p:cNvPr id="43" name="Rectangle: Rounded Corners 42">
-            <a:extLst>
-              <a:ext uri="{FF2B5EF4-FFF2-40B4-BE49-F238E27FC236}">
-                <a16:creationId xmlns:a16="http://schemas.microsoft.com/office/drawing/2014/main" id="{9039415B-5A4B-C3A5-4916-7BB10D636242}"/>
-              </a:ext>
-            </a:extLst>
-          </p:cNvPr>
-          <p:cNvSpPr/>
-          <p:nvPr/>
-        </p:nvSpPr>
-        <p:spPr>
-          <a:xfrm>
-            <a:off x="2416687" y="3013512"/>
-            <a:ext cx="671222" cy="603731"/>
-          </a:xfrm>
-          <a:prstGeom prst="roundRect">
-            <a:avLst/>
-          </a:prstGeom>
-          <a:solidFill>
-            <a:schemeClr val="bg1"/>
-          </a:solidFill>
-          <a:ln>
-            <a:solidFill>
-              <a:srgbClr val="0D649A"/>
-            </a:solidFill>
-          </a:ln>
-        </p:spPr>
-        <p:style>
-          <a:lnRef idx="2">
-            <a:schemeClr val="accent1">
-              <a:shade val="15000"/>
-            </a:schemeClr>
-          </a:lnRef>
-          <a:fillRef idx="1">
-            <a:schemeClr val="accent1"/>
-          </a:fillRef>
-          <a:effectRef idx="0">
-            <a:schemeClr val="accent1"/>
-          </a:effectRef>
-          <a:fontRef idx="minor">
-            <a:schemeClr val="lt1"/>
-          </a:fontRef>
-        </p:style>
-        <p:txBody>
-          <a:bodyPr rtlCol="0" anchor="ctr"/>
-          <a:lstStyle/>
-          <a:p>
-            <a:pPr algn="ctr"/>
-            <a:endParaRPr lang="pt-BR" sz="1253"/>
-          </a:p>
-        </p:txBody>
-      </p:sp>
-      <p:sp>
-        <p:nvSpPr>
-          <p:cNvPr id="44" name="Rectangle: Rounded Corners 43">
-            <a:extLst>
-              <a:ext uri="{FF2B5EF4-FFF2-40B4-BE49-F238E27FC236}">
-                <a16:creationId xmlns:a16="http://schemas.microsoft.com/office/drawing/2014/main" id="{4B0C08B5-3DEC-4CE3-3A40-74D2E3B9BB7E}"/>
-              </a:ext>
-            </a:extLst>
-          </p:cNvPr>
-          <p:cNvSpPr/>
-          <p:nvPr/>
-        </p:nvSpPr>
-        <p:spPr>
-          <a:xfrm>
-            <a:off x="2416687" y="3790098"/>
-            <a:ext cx="671222" cy="603731"/>
-          </a:xfrm>
-          <a:prstGeom prst="roundRect">
-            <a:avLst/>
-          </a:prstGeom>
-          <a:solidFill>
-            <a:schemeClr val="bg1"/>
-          </a:solidFill>
-          <a:ln>
-            <a:solidFill>
-              <a:srgbClr val="0D649A"/>
-            </a:solidFill>
-          </a:ln>
-        </p:spPr>
-        <p:style>
-          <a:lnRef idx="2">
-            <a:schemeClr val="accent1">
-              <a:shade val="15000"/>
-            </a:schemeClr>
-          </a:lnRef>
-          <a:fillRef idx="1">
-            <a:schemeClr val="accent1"/>
-          </a:fillRef>
-          <a:effectRef idx="0">
-            <a:schemeClr val="accent1"/>
-          </a:effectRef>
-          <a:fontRef idx="minor">
-            <a:schemeClr val="lt1"/>
-          </a:fontRef>
-        </p:style>
-        <p:txBody>
-          <a:bodyPr rtlCol="0" anchor="ctr"/>
-          <a:lstStyle/>
-          <a:p>
-            <a:pPr algn="ctr"/>
-            <a:endParaRPr lang="pt-BR" sz="1253"/>
-          </a:p>
-        </p:txBody>
-      </p:sp>
-      <p:sp>
-        <p:nvSpPr>
-          <p:cNvPr id="45" name="Rectangle: Rounded Corners 44">
-            <a:extLst>
-              <a:ext uri="{FF2B5EF4-FFF2-40B4-BE49-F238E27FC236}">
-                <a16:creationId xmlns:a16="http://schemas.microsoft.com/office/drawing/2014/main" id="{22039B95-3987-5A93-11A4-046E95C1B16A}"/>
-              </a:ext>
-            </a:extLst>
-          </p:cNvPr>
-          <p:cNvSpPr/>
-          <p:nvPr/>
-        </p:nvSpPr>
-        <p:spPr>
-          <a:xfrm>
-            <a:off x="4216564" y="3009775"/>
-            <a:ext cx="671222" cy="603731"/>
-          </a:xfrm>
-          <a:prstGeom prst="roundRect">
-            <a:avLst/>
-          </a:prstGeom>
-          <a:solidFill>
-            <a:schemeClr val="bg1"/>
-          </a:solidFill>
-          <a:ln>
-            <a:solidFill>
-              <a:srgbClr val="0D649A"/>
-            </a:solidFill>
-          </a:ln>
-        </p:spPr>
-        <p:style>
-          <a:lnRef idx="2">
-            <a:schemeClr val="accent1">
-              <a:shade val="15000"/>
-            </a:schemeClr>
-          </a:lnRef>
-          <a:fillRef idx="1">
-            <a:schemeClr val="accent1"/>
-          </a:fillRef>
-          <a:effectRef idx="0">
-            <a:schemeClr val="accent1"/>
-          </a:effectRef>
-          <a:fontRef idx="minor">
-            <a:schemeClr val="lt1"/>
-          </a:fontRef>
-        </p:style>
-        <p:txBody>
-          <a:bodyPr rtlCol="0" anchor="ctr"/>
-          <a:lstStyle/>
-          <a:p>
-            <a:pPr algn="ctr"/>
-            <a:endParaRPr lang="pt-BR" sz="1253"/>
-          </a:p>
-        </p:txBody>
-      </p:sp>
-      <p:sp>
-        <p:nvSpPr>
-          <p:cNvPr id="46" name="Rectangle: Rounded Corners 45">
-            <a:extLst>
-              <a:ext uri="{FF2B5EF4-FFF2-40B4-BE49-F238E27FC236}">
-                <a16:creationId xmlns:a16="http://schemas.microsoft.com/office/drawing/2014/main" id="{77271F02-2D02-28B1-1CD8-0537C8FA80E0}"/>
-              </a:ext>
-            </a:extLst>
-          </p:cNvPr>
-          <p:cNvSpPr/>
-          <p:nvPr/>
-        </p:nvSpPr>
-        <p:spPr>
-          <a:xfrm>
-            <a:off x="4209520" y="3790098"/>
-            <a:ext cx="671222" cy="603731"/>
-          </a:xfrm>
-          <a:prstGeom prst="roundRect">
-            <a:avLst/>
-          </a:prstGeom>
-          <a:solidFill>
-            <a:schemeClr val="bg1"/>
-          </a:solidFill>
-          <a:ln>
-            <a:solidFill>
-              <a:srgbClr val="0D649A"/>
-            </a:solidFill>
-          </a:ln>
-        </p:spPr>
-        <p:style>
-          <a:lnRef idx="2">
-            <a:schemeClr val="accent1">
-              <a:shade val="15000"/>
-            </a:schemeClr>
-          </a:lnRef>
-          <a:fillRef idx="1">
-            <a:schemeClr val="accent1"/>
-          </a:fillRef>
-          <a:effectRef idx="0">
-            <a:schemeClr val="accent1"/>
-          </a:effectRef>
-          <a:fontRef idx="minor">
-            <a:schemeClr val="lt1"/>
-          </a:fontRef>
-        </p:style>
-        <p:txBody>
-          <a:bodyPr rtlCol="0" anchor="ctr"/>
-          <a:lstStyle/>
-          <a:p>
-            <a:pPr algn="ctr"/>
-            <a:endParaRPr lang="pt-BR" sz="1253"/>
-          </a:p>
-        </p:txBody>
-      </p:sp>
       <p:pic>
         <p:nvPicPr>
-          <p:cNvPr id="40" name="Picture 4" descr="Home Icons transparent PNG images - StickPNG">
-            <a:extLst>
-              <a:ext uri="{FF2B5EF4-FFF2-40B4-BE49-F238E27FC236}">
-                <a16:creationId xmlns:a16="http://schemas.microsoft.com/office/drawing/2014/main" id="{B4C8DBB5-9733-9E19-0B44-28A1C14A9E1A}"/>
+          <p:cNvPr id="39" name="Picture 38">
+            <a:extLst>
+              <a:ext uri="{FF2B5EF4-FFF2-40B4-BE49-F238E27FC236}">
+                <a16:creationId xmlns:a16="http://schemas.microsoft.com/office/drawing/2014/main" id="{4CAC2031-62F7-10C1-90EA-26DF322FB285}"/>
               </a:ext>
             </a:extLst>
           </p:cNvPr>
@@ -4326,19 +4430,24 @@
             </a:extLst>
           </a:blip>
           <a:srcRect/>
-          <a:stretch>
-            <a:fillRect/>
-          </a:stretch>
+          <a:stretch/>
         </p:blipFill>
         <p:spPr bwMode="auto">
           <a:xfrm>
-            <a:off x="4293044" y="3061017"/>
-            <a:ext cx="504174" cy="504174"/>
+            <a:off x="2473338" y="3034203"/>
+            <a:ext cx="559178" cy="559178"/>
           </a:xfrm>
           <a:prstGeom prst="rect">
             <a:avLst/>
           </a:prstGeom>
           <a:noFill/>
+          <a:effectLst>
+            <a:outerShdw blurRad="50800" dist="38100" dir="2700000" algn="tl" rotWithShape="0">
+              <a:prstClr val="black">
+                <a:alpha val="40000"/>
+              </a:prstClr>
+            </a:outerShdw>
+          </a:effectLst>
           <a:extLst>
             <a:ext uri="{909E8E84-426E-40DD-AFC4-6F175D3DCCD1}">
               <a14:hiddenFill xmlns:a14="http://schemas.microsoft.com/office/drawing/2010/main">
@@ -4352,10 +4461,79 @@
       </p:pic>
       <p:pic>
         <p:nvPicPr>
-          <p:cNvPr id="39" name="Picture 38">
-            <a:extLst>
-              <a:ext uri="{FF2B5EF4-FFF2-40B4-BE49-F238E27FC236}">
-                <a16:creationId xmlns:a16="http://schemas.microsoft.com/office/drawing/2014/main" id="{4CAC2031-62F7-10C1-90EA-26DF322FB285}"/>
+          <p:cNvPr id="41" name="Picture 6">
+            <a:extLst>
+              <a:ext uri="{FF2B5EF4-FFF2-40B4-BE49-F238E27FC236}">
+                <a16:creationId xmlns:a16="http://schemas.microsoft.com/office/drawing/2014/main" id="{4A4F623A-B705-E416-26FE-A34242CCFBF2}"/>
+              </a:ext>
+            </a:extLst>
+          </p:cNvPr>
+          <p:cNvPicPr>
+            <a:picLocks noChangeAspect="1" noChangeArrowheads="1"/>
+          </p:cNvPicPr>
+          <p:nvPr/>
+        </p:nvPicPr>
+        <p:blipFill>
+          <a:blip r:embed="rId3">
+            <a:clrChange>
+              <a:clrFrom>
+                <a:srgbClr val="FFFFFF"/>
+              </a:clrFrom>
+              <a:clrTo>
+                <a:srgbClr val="FFFFFF">
+                  <a:alpha val="0"/>
+                </a:srgbClr>
+              </a:clrTo>
+            </a:clrChange>
+            <a:duotone>
+              <a:schemeClr val="accent1">
+                <a:shade val="45000"/>
+                <a:satMod val="135000"/>
+              </a:schemeClr>
+              <a:prstClr val="white"/>
+            </a:duotone>
+            <a:extLst>
+              <a:ext uri="{28A0092B-C50C-407E-A947-70E740481C1C}">
+                <a14:useLocalDpi xmlns:a14="http://schemas.microsoft.com/office/drawing/2010/main" val="0"/>
+              </a:ext>
+            </a:extLst>
+          </a:blip>
+          <a:srcRect/>
+          <a:stretch/>
+        </p:blipFill>
+        <p:spPr bwMode="auto">
+          <a:xfrm>
+            <a:off x="2503561" y="3837213"/>
+            <a:ext cx="509500" cy="509500"/>
+          </a:xfrm>
+          <a:prstGeom prst="rect">
+            <a:avLst/>
+          </a:prstGeom>
+          <a:noFill/>
+          <a:effectLst>
+            <a:outerShdw blurRad="50800" dist="38100" dir="2700000" algn="tl" rotWithShape="0">
+              <a:prstClr val="black">
+                <a:alpha val="40000"/>
+              </a:prstClr>
+            </a:outerShdw>
+          </a:effectLst>
+          <a:extLst>
+            <a:ext uri="{909E8E84-426E-40DD-AFC4-6F175D3DCCD1}">
+              <a14:hiddenFill xmlns:a14="http://schemas.microsoft.com/office/drawing/2010/main">
+                <a:solidFill>
+                  <a:srgbClr val="FFFFFF"/>
+                </a:solidFill>
+              </a14:hiddenFill>
+            </a:ext>
+          </a:extLst>
+        </p:spPr>
+      </p:pic>
+      <p:pic>
+        <p:nvPicPr>
+          <p:cNvPr id="42" name="Picture 10">
+            <a:extLst>
+              <a:ext uri="{FF2B5EF4-FFF2-40B4-BE49-F238E27FC236}">
+                <a16:creationId xmlns:a16="http://schemas.microsoft.com/office/drawing/2014/main" id="{41437DA3-963B-C894-7510-37C7D9E7CE5E}"/>
               </a:ext>
             </a:extLst>
           </p:cNvPr>
@@ -4384,117 +4562,20 @@
         </p:blipFill>
         <p:spPr bwMode="auto">
           <a:xfrm>
-            <a:off x="2473338" y="3034203"/>
-            <a:ext cx="559178" cy="559178"/>
+            <a:off x="4331219" y="3848898"/>
+            <a:ext cx="465999" cy="465999"/>
           </a:xfrm>
           <a:prstGeom prst="rect">
             <a:avLst/>
           </a:prstGeom>
           <a:noFill/>
-          <a:extLst>
-            <a:ext uri="{909E8E84-426E-40DD-AFC4-6F175D3DCCD1}">
-              <a14:hiddenFill xmlns:a14="http://schemas.microsoft.com/office/drawing/2010/main">
-                <a:solidFill>
-                  <a:srgbClr val="FFFFFF"/>
-                </a:solidFill>
-              </a14:hiddenFill>
-            </a:ext>
-          </a:extLst>
-        </p:spPr>
-      </p:pic>
-      <p:pic>
-        <p:nvPicPr>
-          <p:cNvPr id="41" name="Picture 6">
-            <a:extLst>
-              <a:ext uri="{FF2B5EF4-FFF2-40B4-BE49-F238E27FC236}">
-                <a16:creationId xmlns:a16="http://schemas.microsoft.com/office/drawing/2014/main" id="{4A4F623A-B705-E416-26FE-A34242CCFBF2}"/>
-              </a:ext>
-            </a:extLst>
-          </p:cNvPr>
-          <p:cNvPicPr>
-            <a:picLocks noChangeAspect="1" noChangeArrowheads="1"/>
-          </p:cNvPicPr>
-          <p:nvPr/>
-        </p:nvPicPr>
-        <p:blipFill>
-          <a:blip r:embed="rId4">
-            <a:duotone>
-              <a:schemeClr val="accent1">
-                <a:shade val="45000"/>
-                <a:satMod val="135000"/>
-              </a:schemeClr>
-              <a:prstClr val="white"/>
-            </a:duotone>
-            <a:extLst>
-              <a:ext uri="{28A0092B-C50C-407E-A947-70E740481C1C}">
-                <a14:useLocalDpi xmlns:a14="http://schemas.microsoft.com/office/drawing/2010/main" val="0"/>
-              </a:ext>
-            </a:extLst>
-          </a:blip>
-          <a:srcRect/>
-          <a:stretch/>
-        </p:blipFill>
-        <p:spPr bwMode="auto">
-          <a:xfrm>
-            <a:off x="2523016" y="3837213"/>
-            <a:ext cx="509500" cy="509500"/>
-          </a:xfrm>
-          <a:prstGeom prst="rect">
-            <a:avLst/>
-          </a:prstGeom>
-          <a:noFill/>
-          <a:extLst>
-            <a:ext uri="{909E8E84-426E-40DD-AFC4-6F175D3DCCD1}">
-              <a14:hiddenFill xmlns:a14="http://schemas.microsoft.com/office/drawing/2010/main">
-                <a:solidFill>
-                  <a:srgbClr val="FFFFFF"/>
-                </a:solidFill>
-              </a14:hiddenFill>
-            </a:ext>
-          </a:extLst>
-        </p:spPr>
-      </p:pic>
-      <p:pic>
-        <p:nvPicPr>
-          <p:cNvPr id="42" name="Picture 10">
-            <a:extLst>
-              <a:ext uri="{FF2B5EF4-FFF2-40B4-BE49-F238E27FC236}">
-                <a16:creationId xmlns:a16="http://schemas.microsoft.com/office/drawing/2014/main" id="{41437DA3-963B-C894-7510-37C7D9E7CE5E}"/>
-              </a:ext>
-            </a:extLst>
-          </p:cNvPr>
-          <p:cNvPicPr>
-            <a:picLocks noChangeAspect="1" noChangeArrowheads="1"/>
-          </p:cNvPicPr>
-          <p:nvPr/>
-        </p:nvPicPr>
-        <p:blipFill>
-          <a:blip r:embed="rId10">
-            <a:duotone>
-              <a:schemeClr val="accent1">
-                <a:shade val="45000"/>
-                <a:satMod val="135000"/>
-              </a:schemeClr>
-              <a:prstClr val="white"/>
-            </a:duotone>
-            <a:extLst>
-              <a:ext uri="{28A0092B-C50C-407E-A947-70E740481C1C}">
-                <a14:useLocalDpi xmlns:a14="http://schemas.microsoft.com/office/drawing/2010/main" val="0"/>
-              </a:ext>
-            </a:extLst>
-          </a:blip>
-          <a:srcRect/>
-          <a:stretch/>
-        </p:blipFill>
-        <p:spPr bwMode="auto">
-          <a:xfrm>
-            <a:off x="4331219" y="3848898"/>
-            <a:ext cx="465999" cy="465999"/>
-          </a:xfrm>
-          <a:prstGeom prst="rect">
-            <a:avLst/>
-          </a:prstGeom>
-          <a:noFill/>
+          <a:effectLst>
+            <a:outerShdw blurRad="50800" dist="38100" dir="2700000" algn="tl" rotWithShape="0">
+              <a:prstClr val="black">
+                <a:alpha val="40000"/>
+              </a:prstClr>
+            </a:outerShdw>
+          </a:effectLst>
           <a:extLst>
             <a:ext uri="{909E8E84-426E-40DD-AFC4-6F175D3DCCD1}">
               <a14:hiddenFill xmlns:a14="http://schemas.microsoft.com/office/drawing/2010/main">
@@ -4541,7 +4622,7 @@
           <p:cNvPr id="10" name="Picture 9" descr="A blue wall with a calendar and text&#10;&#10;AI-generated content may be incorrect.">
             <a:extLst>
               <a:ext uri="{FF2B5EF4-FFF2-40B4-BE49-F238E27FC236}">
-                <a16:creationId xmlns:a16="http://schemas.microsoft.com/office/drawing/2014/main" id="{27DEAEAF-E151-A0AE-3716-4BFEF281C57C}"/>
+                <a16:creationId xmlns:a16="http://schemas.microsoft.com/office/drawing/2014/main" id="{5D7CDD82-AE94-7EBE-E6DE-9839F130CFFA}"/>
               </a:ext>
             </a:extLst>
           </p:cNvPr>
@@ -4564,279 +4645,68 @@
         </p:blipFill>
         <p:spPr>
           <a:xfrm>
-            <a:off x="0" y="2"/>
+            <a:off x="0" y="-127885"/>
             <a:ext cx="12192000" cy="6858000"/>
+          </a:xfrm>
+          <a:prstGeom prst="rect">
+            <a:avLst/>
+          </a:prstGeom>
+          <a:gradFill flip="none" rotWithShape="1">
+            <a:gsLst>
+              <a:gs pos="0">
+                <a:schemeClr val="tx2">
+                  <a:lumMod val="50000"/>
+                  <a:lumOff val="50000"/>
+                </a:schemeClr>
+              </a:gs>
+              <a:gs pos="50000">
+                <a:schemeClr val="accent1">
+                  <a:tint val="44500"/>
+                  <a:satMod val="160000"/>
+                </a:schemeClr>
+              </a:gs>
+              <a:gs pos="100000">
+                <a:schemeClr val="accent1">
+                  <a:tint val="23500"/>
+                  <a:satMod val="160000"/>
+                </a:schemeClr>
+              </a:gs>
+            </a:gsLst>
+            <a:lin ang="5400000" scaled="1"/>
+            <a:tileRect/>
+          </a:gradFill>
+          <a:ln>
+            <a:solidFill>
+              <a:schemeClr val="accent1"/>
+            </a:solidFill>
+          </a:ln>
+        </p:spPr>
+      </p:pic>
+      <p:sp>
+        <p:nvSpPr>
+          <p:cNvPr id="3" name="Rectangle 2">
+            <a:extLst>
+              <a:ext uri="{FF2B5EF4-FFF2-40B4-BE49-F238E27FC236}">
+                <a16:creationId xmlns:a16="http://schemas.microsoft.com/office/drawing/2014/main" id="{23A30572-93B7-6DF8-48EB-36FCBA96304F}"/>
+              </a:ext>
+            </a:extLst>
+          </p:cNvPr>
+          <p:cNvSpPr/>
+          <p:nvPr/>
+        </p:nvSpPr>
+        <p:spPr>
+          <a:xfrm>
+            <a:off x="1439694" y="1323353"/>
+            <a:ext cx="4031125" cy="3955524"/>
           </a:xfrm>
           <a:prstGeom prst="rect">
             <a:avLst/>
           </a:prstGeom>
           <a:solidFill>
-            <a:schemeClr val="bg1"/>
+            <a:srgbClr val="11649B"/>
           </a:solidFill>
           <a:ln>
-            <a:solidFill>
-              <a:srgbClr val="0D649A"/>
-            </a:solidFill>
-          </a:ln>
-        </p:spPr>
-      </p:pic>
-      <p:pic>
-        <p:nvPicPr>
-          <p:cNvPr id="11" name="Picture 10">
-            <a:extLst>
-              <a:ext uri="{FF2B5EF4-FFF2-40B4-BE49-F238E27FC236}">
-                <a16:creationId xmlns:a16="http://schemas.microsoft.com/office/drawing/2014/main" id="{6A89DF2F-8452-0724-4C91-300BC4B51861}"/>
-              </a:ext>
-            </a:extLst>
-          </p:cNvPr>
-          <p:cNvPicPr>
-            <a:picLocks noChangeAspect="1"/>
-          </p:cNvPicPr>
-          <p:nvPr/>
-        </p:nvPicPr>
-        <p:blipFill>
-          <a:blip r:embed="rId3"/>
-          <a:srcRect t="57102"/>
-          <a:stretch/>
-        </p:blipFill>
-        <p:spPr>
-          <a:xfrm>
-            <a:off x="3225102" y="2648391"/>
-            <a:ext cx="2162477" cy="2214935"/>
-          </a:xfrm>
-          <a:prstGeom prst="rect">
-            <a:avLst/>
-          </a:prstGeom>
-        </p:spPr>
-      </p:pic>
-      <p:pic>
-        <p:nvPicPr>
-          <p:cNvPr id="13" name="Picture 12">
-            <a:extLst>
-              <a:ext uri="{FF2B5EF4-FFF2-40B4-BE49-F238E27FC236}">
-                <a16:creationId xmlns:a16="http://schemas.microsoft.com/office/drawing/2014/main" id="{6F89DEAE-9E30-07A6-9409-B447EE0E4F36}"/>
-              </a:ext>
-            </a:extLst>
-          </p:cNvPr>
-          <p:cNvPicPr>
-            <a:picLocks noChangeAspect="1"/>
-          </p:cNvPicPr>
-          <p:nvPr/>
-        </p:nvPicPr>
-        <p:blipFill>
-          <a:blip r:embed="rId3"/>
-          <a:srcRect t="57102"/>
-          <a:stretch/>
-        </p:blipFill>
-        <p:spPr>
-          <a:xfrm>
-            <a:off x="1568498" y="2846532"/>
-            <a:ext cx="2162477" cy="2214935"/>
-          </a:xfrm>
-          <a:prstGeom prst="rect">
-            <a:avLst/>
-          </a:prstGeom>
-        </p:spPr>
-      </p:pic>
-      <p:pic>
-        <p:nvPicPr>
-          <p:cNvPr id="14" name="Picture 13">
-            <a:extLst>
-              <a:ext uri="{FF2B5EF4-FFF2-40B4-BE49-F238E27FC236}">
-                <a16:creationId xmlns:a16="http://schemas.microsoft.com/office/drawing/2014/main" id="{EF36EC0D-7906-10F6-85B7-6F8E7A6AA590}"/>
-              </a:ext>
-            </a:extLst>
-          </p:cNvPr>
-          <p:cNvPicPr>
-            <a:picLocks noChangeAspect="1"/>
-          </p:cNvPicPr>
-          <p:nvPr/>
-        </p:nvPicPr>
-        <p:blipFill>
-          <a:blip r:embed="rId3"/>
-          <a:srcRect t="57102"/>
-          <a:stretch/>
-        </p:blipFill>
-        <p:spPr>
-          <a:xfrm>
-            <a:off x="1850908" y="1451741"/>
-            <a:ext cx="2162477" cy="2214935"/>
-          </a:xfrm>
-          <a:prstGeom prst="rect">
-            <a:avLst/>
-          </a:prstGeom>
-        </p:spPr>
-      </p:pic>
-      <p:pic>
-        <p:nvPicPr>
-          <p:cNvPr id="15" name="Picture 14">
-            <a:extLst>
-              <a:ext uri="{FF2B5EF4-FFF2-40B4-BE49-F238E27FC236}">
-                <a16:creationId xmlns:a16="http://schemas.microsoft.com/office/drawing/2014/main" id="{6CC44247-BE7D-C990-1151-77621FCE3FD4}"/>
-              </a:ext>
-            </a:extLst>
-          </p:cNvPr>
-          <p:cNvPicPr>
-            <a:picLocks noChangeAspect="1"/>
-          </p:cNvPicPr>
-          <p:nvPr/>
-        </p:nvPicPr>
-        <p:blipFill>
-          <a:blip r:embed="rId3"/>
-          <a:srcRect t="57102"/>
-          <a:stretch/>
-        </p:blipFill>
-        <p:spPr>
-          <a:xfrm>
-            <a:off x="3183993" y="1423267"/>
-            <a:ext cx="2162477" cy="2214935"/>
-          </a:xfrm>
-          <a:prstGeom prst="rect">
-            <a:avLst/>
-          </a:prstGeom>
-        </p:spPr>
-      </p:pic>
-      <p:pic>
-        <p:nvPicPr>
-          <p:cNvPr id="16" name="Picture 6">
-            <a:extLst>
-              <a:ext uri="{FF2B5EF4-FFF2-40B4-BE49-F238E27FC236}">
-                <a16:creationId xmlns:a16="http://schemas.microsoft.com/office/drawing/2014/main" id="{9ABAB54E-E1F7-CAD6-DD79-6332E312D289}"/>
-              </a:ext>
-            </a:extLst>
-          </p:cNvPr>
-          <p:cNvPicPr>
-            <a:picLocks noChangeAspect="1" noChangeArrowheads="1"/>
-          </p:cNvPicPr>
-          <p:nvPr/>
-        </p:nvPicPr>
-        <p:blipFill>
-          <a:blip r:embed="rId4">
-            <a:duotone>
-              <a:schemeClr val="accent1">
-                <a:shade val="45000"/>
-                <a:satMod val="135000"/>
-              </a:schemeClr>
-              <a:prstClr val="white"/>
-            </a:duotone>
-            <a:extLst>
-              <a:ext uri="{28A0092B-C50C-407E-A947-70E740481C1C}">
-                <a14:useLocalDpi xmlns:a14="http://schemas.microsoft.com/office/drawing/2010/main" val="0"/>
-              </a:ext>
-            </a:extLst>
-          </a:blip>
-          <a:srcRect/>
-          <a:stretch/>
-        </p:blipFill>
-        <p:spPr bwMode="auto">
-          <a:xfrm>
-            <a:off x="2653180" y="4058402"/>
-            <a:ext cx="335427" cy="335427"/>
-          </a:xfrm>
-          <a:prstGeom prst="rect">
-            <a:avLst/>
-          </a:prstGeom>
-          <a:noFill/>
-          <a:extLst>
-            <a:ext uri="{909E8E84-426E-40DD-AFC4-6F175D3DCCD1}">
-              <a14:hiddenFill xmlns:a14="http://schemas.microsoft.com/office/drawing/2010/main">
-                <a:solidFill>
-                  <a:srgbClr val="FFFFFF"/>
-                </a:solidFill>
-              </a14:hiddenFill>
-            </a:ext>
-          </a:extLst>
-        </p:spPr>
-      </p:pic>
-      <p:pic>
-        <p:nvPicPr>
-          <p:cNvPr id="19" name="Picture 18" descr="A blue line drawing of a calendar&#10;&#10;AI-generated content may be incorrect.">
-            <a:extLst>
-              <a:ext uri="{FF2B5EF4-FFF2-40B4-BE49-F238E27FC236}">
-                <a16:creationId xmlns:a16="http://schemas.microsoft.com/office/drawing/2014/main" id="{6CE4120C-CF36-CE05-E357-301C27C80435}"/>
-              </a:ext>
-            </a:extLst>
-          </p:cNvPr>
-          <p:cNvPicPr>
-            <a:picLocks noChangeAspect="1"/>
-          </p:cNvPicPr>
-          <p:nvPr/>
-        </p:nvPicPr>
-        <p:blipFill>
-          <a:blip r:embed="rId5">
-            <a:duotone>
-              <a:schemeClr val="bg2">
-                <a:shade val="45000"/>
-                <a:satMod val="135000"/>
-              </a:schemeClr>
-              <a:prstClr val="white"/>
-            </a:duotone>
-            <a:alphaModFix/>
-            <a:extLst>
-              <a:ext uri="{BEBA8EAE-BF5A-486C-A8C5-ECC9F3942E4B}">
-                <a14:imgProps xmlns:a14="http://schemas.microsoft.com/office/drawing/2010/main">
-                  <a14:imgLayer r:embed="rId6">
-                    <a14:imgEffect>
-                      <a14:artisticPhotocopy/>
-                    </a14:imgEffect>
-                    <a14:imgEffect>
-                      <a14:sharpenSoften amount="50000"/>
-                    </a14:imgEffect>
-                    <a14:imgEffect>
-                      <a14:saturation sat="0"/>
-                    </a14:imgEffect>
-                    <a14:imgEffect>
-                      <a14:brightnessContrast contrast="40000"/>
-                    </a14:imgEffect>
-                  </a14:imgLayer>
-                </a14:imgProps>
-              </a:ext>
-              <a:ext uri="{28A0092B-C50C-407E-A947-70E740481C1C}">
-                <a14:useLocalDpi xmlns:a14="http://schemas.microsoft.com/office/drawing/2010/main" val="0"/>
-              </a:ext>
-            </a:extLst>
-          </a:blip>
-          <a:stretch>
-            <a:fillRect/>
-          </a:stretch>
-        </p:blipFill>
-        <p:spPr>
-          <a:xfrm>
-            <a:off x="1851327" y="1738790"/>
-            <a:ext cx="3597836" cy="3145700"/>
-          </a:xfrm>
-          <a:prstGeom prst="rect">
-            <a:avLst/>
-          </a:prstGeom>
-        </p:spPr>
-      </p:pic>
-      <p:sp>
-        <p:nvSpPr>
-          <p:cNvPr id="20" name="Rectangle: Rounded Corners 19">
-            <a:extLst>
-              <a:ext uri="{FF2B5EF4-FFF2-40B4-BE49-F238E27FC236}">
-                <a16:creationId xmlns:a16="http://schemas.microsoft.com/office/drawing/2014/main" id="{CDA34161-E1EA-0497-4217-26F3EB45573F}"/>
-              </a:ext>
-            </a:extLst>
-          </p:cNvPr>
-          <p:cNvSpPr/>
-          <p:nvPr/>
-        </p:nvSpPr>
-        <p:spPr>
-          <a:xfrm>
-            <a:off x="3314906" y="3012925"/>
-            <a:ext cx="671222" cy="603731"/>
-          </a:xfrm>
-          <a:prstGeom prst="roundRect">
-            <a:avLst/>
-          </a:prstGeom>
-          <a:solidFill>
-            <a:schemeClr val="bg1"/>
-          </a:solidFill>
-          <a:ln>
-            <a:solidFill>
-              <a:srgbClr val="0D649A"/>
-            </a:solidFill>
+            <a:noFill/>
           </a:ln>
         </p:spPr>
         <p:style>
@@ -4860,16 +4730,147 @@
           <a:lstStyle/>
           <a:p>
             <a:pPr algn="ctr"/>
-            <a:endParaRPr lang="pt-BR" sz="1253"/>
-          </a:p>
-        </p:txBody>
-      </p:sp>
-      <p:sp>
-        <p:nvSpPr>
-          <p:cNvPr id="21" name="Rectangle: Rounded Corners 20">
-            <a:extLst>
-              <a:ext uri="{FF2B5EF4-FFF2-40B4-BE49-F238E27FC236}">
-                <a16:creationId xmlns:a16="http://schemas.microsoft.com/office/drawing/2014/main" id="{63CDCF62-5980-77F5-5A9B-A991E4CEA50E}"/>
+            <a:endParaRPr lang="pt-BR"/>
+          </a:p>
+        </p:txBody>
+      </p:sp>
+      <p:pic>
+        <p:nvPicPr>
+          <p:cNvPr id="1030" name="Picture 6">
+            <a:extLst>
+              <a:ext uri="{FF2B5EF4-FFF2-40B4-BE49-F238E27FC236}">
+                <a16:creationId xmlns:a16="http://schemas.microsoft.com/office/drawing/2014/main" id="{D6B0A461-8CC9-CABC-CC2D-7AB56C5D3F17}"/>
+              </a:ext>
+            </a:extLst>
+          </p:cNvPr>
+          <p:cNvPicPr>
+            <a:picLocks noChangeAspect="1" noChangeArrowheads="1"/>
+          </p:cNvPicPr>
+          <p:nvPr/>
+        </p:nvPicPr>
+        <p:blipFill>
+          <a:blip r:embed="rId3">
+            <a:duotone>
+              <a:schemeClr val="accent1">
+                <a:shade val="45000"/>
+                <a:satMod val="135000"/>
+              </a:schemeClr>
+              <a:prstClr val="white"/>
+            </a:duotone>
+            <a:extLst>
+              <a:ext uri="{28A0092B-C50C-407E-A947-70E740481C1C}">
+                <a14:useLocalDpi xmlns:a14="http://schemas.microsoft.com/office/drawing/2010/main" val="0"/>
+              </a:ext>
+            </a:extLst>
+          </a:blip>
+          <a:srcRect/>
+          <a:stretch/>
+        </p:blipFill>
+        <p:spPr bwMode="auto">
+          <a:xfrm>
+            <a:off x="2653180" y="4058402"/>
+            <a:ext cx="335427" cy="335427"/>
+          </a:xfrm>
+          <a:prstGeom prst="rect">
+            <a:avLst/>
+          </a:prstGeom>
+          <a:noFill/>
+          <a:extLst>
+            <a:ext uri="{909E8E84-426E-40DD-AFC4-6F175D3DCCD1}">
+              <a14:hiddenFill xmlns:a14="http://schemas.microsoft.com/office/drawing/2010/main">
+                <a:solidFill>
+                  <a:srgbClr val="FFFFFF"/>
+                </a:solidFill>
+              </a14:hiddenFill>
+            </a:ext>
+          </a:extLst>
+        </p:spPr>
+      </p:pic>
+      <p:pic>
+        <p:nvPicPr>
+          <p:cNvPr id="6" name="Picture 5" descr="A blue line drawing of a calendar&#10;&#10;AI-generated content may be incorrect.">
+            <a:extLst>
+              <a:ext uri="{FF2B5EF4-FFF2-40B4-BE49-F238E27FC236}">
+                <a16:creationId xmlns:a16="http://schemas.microsoft.com/office/drawing/2014/main" id="{E96132B6-5091-6E80-D00B-466BF4644777}"/>
+              </a:ext>
+            </a:extLst>
+          </p:cNvPr>
+          <p:cNvPicPr>
+            <a:picLocks noChangeAspect="1"/>
+          </p:cNvPicPr>
+          <p:nvPr/>
+        </p:nvPicPr>
+        <p:blipFill>
+          <a:blip r:embed="rId4">
+            <a:clrChange>
+              <a:clrFrom>
+                <a:srgbClr val="13689D"/>
+              </a:clrFrom>
+              <a:clrTo>
+                <a:srgbClr val="13689D">
+                  <a:alpha val="0"/>
+                </a:srgbClr>
+              </a:clrTo>
+            </a:clrChange>
+            <a:duotone>
+              <a:schemeClr val="bg2">
+                <a:shade val="45000"/>
+                <a:satMod val="135000"/>
+              </a:schemeClr>
+              <a:prstClr val="white"/>
+            </a:duotone>
+            <a:alphaModFix/>
+            <a:extLst>
+              <a:ext uri="{BEBA8EAE-BF5A-486C-A8C5-ECC9F3942E4B}">
+                <a14:imgProps xmlns:a14="http://schemas.microsoft.com/office/drawing/2010/main">
+                  <a14:imgLayer r:embed="rId5">
+                    <a14:imgEffect>
+                      <a14:artisticPhotocopy/>
+                    </a14:imgEffect>
+                    <a14:imgEffect>
+                      <a14:sharpenSoften amount="50000"/>
+                    </a14:imgEffect>
+                    <a14:imgEffect>
+                      <a14:saturation sat="0"/>
+                    </a14:imgEffect>
+                    <a14:imgEffect>
+                      <a14:brightnessContrast contrast="40000"/>
+                    </a14:imgEffect>
+                  </a14:imgLayer>
+                </a14:imgProps>
+              </a:ext>
+              <a:ext uri="{28A0092B-C50C-407E-A947-70E740481C1C}">
+                <a14:useLocalDpi xmlns:a14="http://schemas.microsoft.com/office/drawing/2010/main" val="0"/>
+              </a:ext>
+            </a:extLst>
+          </a:blip>
+          <a:stretch>
+            <a:fillRect/>
+          </a:stretch>
+        </p:blipFill>
+        <p:spPr>
+          <a:xfrm>
+            <a:off x="1851599" y="1741007"/>
+            <a:ext cx="3597836" cy="3145700"/>
+          </a:xfrm>
+          <a:prstGeom prst="rect">
+            <a:avLst/>
+          </a:prstGeom>
+          <a:effectLst>
+            <a:outerShdw blurRad="50800" dist="38100" dir="2700000" algn="tl" rotWithShape="0">
+              <a:prstClr val="black">
+                <a:alpha val="40000"/>
+              </a:prstClr>
+            </a:outerShdw>
+          </a:effectLst>
+        </p:spPr>
+      </p:pic>
+      <p:sp>
+        <p:nvSpPr>
+          <p:cNvPr id="31" name="Rectangle: Rounded Corners 30">
+            <a:extLst>
+              <a:ext uri="{FF2B5EF4-FFF2-40B4-BE49-F238E27FC236}">
+                <a16:creationId xmlns:a16="http://schemas.microsoft.com/office/drawing/2014/main" id="{2DCED245-B7BA-C6A1-A805-DB13F82CFC83}"/>
               </a:ext>
             </a:extLst>
           </p:cNvPr>
@@ -4878,14 +4879,14 @@
         </p:nvSpPr>
         <p:spPr>
           <a:xfrm>
-            <a:off x="2138286" y="973773"/>
-            <a:ext cx="513977" cy="425826"/>
+            <a:off x="3314906" y="3012925"/>
+            <a:ext cx="671222" cy="603731"/>
           </a:xfrm>
           <a:prstGeom prst="roundRect">
             <a:avLst/>
           </a:prstGeom>
           <a:solidFill>
-            <a:srgbClr val="F3ED01"/>
+            <a:schemeClr val="bg1"/>
           </a:solidFill>
           <a:ln>
             <a:solidFill>
@@ -4920,10 +4921,10 @@
       </p:sp>
       <p:sp>
         <p:nvSpPr>
-          <p:cNvPr id="22" name="Rectangle: Rounded Corners 21">
-            <a:extLst>
-              <a:ext uri="{FF2B5EF4-FFF2-40B4-BE49-F238E27FC236}">
-                <a16:creationId xmlns:a16="http://schemas.microsoft.com/office/drawing/2014/main" id="{8FA55EA7-DA7D-4AC7-B97A-2AEF136415BE}"/>
+          <p:cNvPr id="33" name="Rectangle: Rounded Corners 32">
+            <a:extLst>
+              <a:ext uri="{FF2B5EF4-FFF2-40B4-BE49-F238E27FC236}">
+                <a16:creationId xmlns:a16="http://schemas.microsoft.com/office/drawing/2014/main" id="{D85E5D68-4963-B9E3-91A1-139AF9C8F72F}"/>
               </a:ext>
             </a:extLst>
           </p:cNvPr>
@@ -4932,20 +4933,27 @@
         </p:nvSpPr>
         <p:spPr>
           <a:xfrm>
-            <a:off x="1352380" y="425435"/>
+            <a:off x="2138286" y="973773"/>
             <a:ext cx="513977" cy="425826"/>
           </a:xfrm>
           <a:prstGeom prst="roundRect">
             <a:avLst/>
           </a:prstGeom>
           <a:solidFill>
-            <a:schemeClr val="bg1"/>
+            <a:srgbClr val="F3ED01"/>
           </a:solidFill>
           <a:ln>
             <a:solidFill>
               <a:srgbClr val="0D649A"/>
             </a:solidFill>
           </a:ln>
+          <a:effectLst>
+            <a:outerShdw blurRad="50800" dist="38100" dir="2700000" algn="tl" rotWithShape="0">
+              <a:prstClr val="black">
+                <a:alpha val="40000"/>
+              </a:prstClr>
+            </a:outerShdw>
+          </a:effectLst>
         </p:spPr>
         <p:style>
           <a:lnRef idx="2">
@@ -4974,10 +4982,10 @@
       </p:sp>
       <p:sp>
         <p:nvSpPr>
-          <p:cNvPr id="23" name="Rectangle: Rounded Corners 22">
-            <a:extLst>
-              <a:ext uri="{FF2B5EF4-FFF2-40B4-BE49-F238E27FC236}">
-                <a16:creationId xmlns:a16="http://schemas.microsoft.com/office/drawing/2014/main" id="{B55E2A9A-CC8C-F62B-06EA-747C8E1769F9}"/>
+          <p:cNvPr id="34" name="Rectangle: Rounded Corners 33">
+            <a:extLst>
+              <a:ext uri="{FF2B5EF4-FFF2-40B4-BE49-F238E27FC236}">
+                <a16:creationId xmlns:a16="http://schemas.microsoft.com/office/drawing/2014/main" id="{B3BCA0E1-F391-CAC3-526B-6FCC5EE1164D}"/>
               </a:ext>
             </a:extLst>
           </p:cNvPr>
@@ -4986,7 +4994,7 @@
         </p:nvSpPr>
         <p:spPr>
           <a:xfrm>
-            <a:off x="1352380" y="1528094"/>
+            <a:off x="1352380" y="425435"/>
             <a:ext cx="513977" cy="425826"/>
           </a:xfrm>
           <a:prstGeom prst="roundRect">
@@ -5000,6 +5008,13 @@
               <a:srgbClr val="0D649A"/>
             </a:solidFill>
           </a:ln>
+          <a:effectLst>
+            <a:outerShdw blurRad="50800" dist="38100" dir="2700000" algn="tl" rotWithShape="0">
+              <a:prstClr val="black">
+                <a:alpha val="40000"/>
+              </a:prstClr>
+            </a:outerShdw>
+          </a:effectLst>
         </p:spPr>
         <p:style>
           <a:lnRef idx="2">
@@ -5028,10 +5043,10 @@
       </p:sp>
       <p:sp>
         <p:nvSpPr>
-          <p:cNvPr id="34" name="Rectangle: Rounded Corners 33">
-            <a:extLst>
-              <a:ext uri="{FF2B5EF4-FFF2-40B4-BE49-F238E27FC236}">
-                <a16:creationId xmlns:a16="http://schemas.microsoft.com/office/drawing/2014/main" id="{5650FCFF-B82B-186E-372A-A2A84E33AC39}"/>
+          <p:cNvPr id="35" name="Rectangle: Rounded Corners 34">
+            <a:extLst>
+              <a:ext uri="{FF2B5EF4-FFF2-40B4-BE49-F238E27FC236}">
+                <a16:creationId xmlns:a16="http://schemas.microsoft.com/office/drawing/2014/main" id="{7F593C5F-4332-5F2D-DA03-AFB7D67F7761}"/>
               </a:ext>
             </a:extLst>
           </p:cNvPr>
@@ -5040,7 +5055,7 @@
         </p:nvSpPr>
         <p:spPr>
           <a:xfrm>
-            <a:off x="572450" y="1528094"/>
+            <a:off x="1352380" y="1528094"/>
             <a:ext cx="513977" cy="425826"/>
           </a:xfrm>
           <a:prstGeom prst="roundRect">
@@ -5054,6 +5069,13 @@
               <a:srgbClr val="0D649A"/>
             </a:solidFill>
           </a:ln>
+          <a:effectLst>
+            <a:outerShdw blurRad="50800" dist="38100" dir="2700000" algn="tl" rotWithShape="0">
+              <a:prstClr val="black">
+                <a:alpha val="40000"/>
+              </a:prstClr>
+            </a:outerShdw>
+          </a:effectLst>
         </p:spPr>
         <p:style>
           <a:lnRef idx="2">
@@ -5082,10 +5104,10 @@
       </p:sp>
       <p:sp>
         <p:nvSpPr>
-          <p:cNvPr id="35" name="Rectangle: Rounded Corners 34">
-            <a:extLst>
-              <a:ext uri="{FF2B5EF4-FFF2-40B4-BE49-F238E27FC236}">
-                <a16:creationId xmlns:a16="http://schemas.microsoft.com/office/drawing/2014/main" id="{DB8F6C18-BC24-1AB6-CEB4-E2031E016366}"/>
+          <p:cNvPr id="36" name="Rectangle: Rounded Corners 35">
+            <a:extLst>
+              <a:ext uri="{FF2B5EF4-FFF2-40B4-BE49-F238E27FC236}">
+                <a16:creationId xmlns:a16="http://schemas.microsoft.com/office/drawing/2014/main" id="{D415AA63-ABEC-63FA-41A9-7571E0B244FE}"/>
               </a:ext>
             </a:extLst>
           </p:cNvPr>
@@ -5094,20 +5116,27 @@
         </p:nvSpPr>
         <p:spPr>
           <a:xfrm>
-            <a:off x="572450" y="973773"/>
+            <a:off x="572450" y="1528094"/>
             <a:ext cx="513977" cy="425826"/>
           </a:xfrm>
           <a:prstGeom prst="roundRect">
             <a:avLst/>
           </a:prstGeom>
           <a:solidFill>
-            <a:srgbClr val="00B050"/>
+            <a:schemeClr val="bg1"/>
           </a:solidFill>
           <a:ln>
             <a:solidFill>
               <a:srgbClr val="0D649A"/>
             </a:solidFill>
           </a:ln>
+          <a:effectLst>
+            <a:outerShdw blurRad="50800" dist="38100" dir="2700000" algn="tl" rotWithShape="0">
+              <a:prstClr val="black">
+                <a:alpha val="40000"/>
+              </a:prstClr>
+            </a:outerShdw>
+          </a:effectLst>
         </p:spPr>
         <p:style>
           <a:lnRef idx="2">
@@ -5134,12 +5163,360 @@
           </a:p>
         </p:txBody>
       </p:sp>
+      <p:sp>
+        <p:nvSpPr>
+          <p:cNvPr id="37" name="Rectangle: Rounded Corners 36">
+            <a:extLst>
+              <a:ext uri="{FF2B5EF4-FFF2-40B4-BE49-F238E27FC236}">
+                <a16:creationId xmlns:a16="http://schemas.microsoft.com/office/drawing/2014/main" id="{13D3FD4B-4A6A-313B-E1BE-CAC906693004}"/>
+              </a:ext>
+            </a:extLst>
+          </p:cNvPr>
+          <p:cNvSpPr/>
+          <p:nvPr/>
+        </p:nvSpPr>
+        <p:spPr>
+          <a:xfrm>
+            <a:off x="572450" y="973773"/>
+            <a:ext cx="513977" cy="425826"/>
+          </a:xfrm>
+          <a:prstGeom prst="roundRect">
+            <a:avLst/>
+          </a:prstGeom>
+          <a:solidFill>
+            <a:srgbClr val="00B050"/>
+          </a:solidFill>
+          <a:ln>
+            <a:solidFill>
+              <a:srgbClr val="0D649A"/>
+            </a:solidFill>
+          </a:ln>
+          <a:effectLst>
+            <a:outerShdw blurRad="50800" dist="38100" dir="2700000" algn="tl" rotWithShape="0">
+              <a:prstClr val="black">
+                <a:alpha val="40000"/>
+              </a:prstClr>
+            </a:outerShdw>
+          </a:effectLst>
+        </p:spPr>
+        <p:style>
+          <a:lnRef idx="2">
+            <a:schemeClr val="accent1">
+              <a:shade val="15000"/>
+            </a:schemeClr>
+          </a:lnRef>
+          <a:fillRef idx="1">
+            <a:schemeClr val="accent1"/>
+          </a:fillRef>
+          <a:effectRef idx="0">
+            <a:schemeClr val="accent1"/>
+          </a:effectRef>
+          <a:fontRef idx="minor">
+            <a:schemeClr val="lt1"/>
+          </a:fontRef>
+        </p:style>
+        <p:txBody>
+          <a:bodyPr rtlCol="0" anchor="ctr"/>
+          <a:lstStyle/>
+          <a:p>
+            <a:pPr algn="ctr"/>
+            <a:endParaRPr lang="pt-BR" sz="1253"/>
+          </a:p>
+        </p:txBody>
+      </p:sp>
       <p:pic>
         <p:nvPicPr>
-          <p:cNvPr id="36" name="Picture 2" descr="65+ Thousand Airplane Pictogram Royalty-Free Images, Stock Photos &amp;  Pictures | Shutterstock">
-            <a:extLst>
-              <a:ext uri="{FF2B5EF4-FFF2-40B4-BE49-F238E27FC236}">
-                <a16:creationId xmlns:a16="http://schemas.microsoft.com/office/drawing/2014/main" id="{9073B0E8-3311-1C3B-1DC2-36D144FF6FF7}"/>
+          <p:cNvPr id="38" name="Picture 2" descr="65+ Thousand Airplane Pictogram Royalty-Free Images, Stock Photos &amp;  Pictures | Shutterstock">
+            <a:extLst>
+              <a:ext uri="{FF2B5EF4-FFF2-40B4-BE49-F238E27FC236}">
+                <a16:creationId xmlns:a16="http://schemas.microsoft.com/office/drawing/2014/main" id="{AC16D067-C17B-885D-C5C2-42EFF297B7DF}"/>
+              </a:ext>
+            </a:extLst>
+          </p:cNvPr>
+          <p:cNvPicPr>
+            <a:picLocks noChangeAspect="1" noChangeArrowheads="1"/>
+          </p:cNvPicPr>
+          <p:nvPr/>
+        </p:nvPicPr>
+        <p:blipFill>
+          <a:blip r:embed="rId6">
+            <a:clrChange>
+              <a:clrFrom>
+                <a:srgbClr val="FFFFFF"/>
+              </a:clrFrom>
+              <a:clrTo>
+                <a:srgbClr val="FFFFFF">
+                  <a:alpha val="0"/>
+                </a:srgbClr>
+              </a:clrTo>
+            </a:clrChange>
+            <a:duotone>
+              <a:schemeClr val="accent1">
+                <a:shade val="45000"/>
+                <a:satMod val="135000"/>
+              </a:schemeClr>
+              <a:prstClr val="white"/>
+            </a:duotone>
+            <a:extLst>
+              <a:ext uri="{28A0092B-C50C-407E-A947-70E740481C1C}">
+                <a14:useLocalDpi xmlns:a14="http://schemas.microsoft.com/office/drawing/2010/main" val="0"/>
+              </a:ext>
+            </a:extLst>
+          </a:blip>
+          <a:srcRect/>
+          <a:stretch>
+            <a:fillRect/>
+          </a:stretch>
+        </p:blipFill>
+        <p:spPr bwMode="auto">
+          <a:xfrm>
+            <a:off x="3351159" y="3033762"/>
+            <a:ext cx="611820" cy="611820"/>
+          </a:xfrm>
+          <a:prstGeom prst="rect">
+            <a:avLst/>
+          </a:prstGeom>
+          <a:noFill/>
+          <a:effectLst>
+            <a:outerShdw blurRad="50800" dist="38100" dir="2700000" algn="tl" rotWithShape="0">
+              <a:prstClr val="black">
+                <a:alpha val="40000"/>
+              </a:prstClr>
+            </a:outerShdw>
+          </a:effectLst>
+          <a:extLst>
+            <a:ext uri="{909E8E84-426E-40DD-AFC4-6F175D3DCCD1}">
+              <a14:hiddenFill xmlns:a14="http://schemas.microsoft.com/office/drawing/2010/main">
+                <a:solidFill>
+                  <a:srgbClr val="FFFFFF"/>
+                </a:solidFill>
+              </a14:hiddenFill>
+            </a:ext>
+          </a:extLst>
+        </p:spPr>
+      </p:pic>
+      <p:sp>
+        <p:nvSpPr>
+          <p:cNvPr id="43" name="Rectangle: Rounded Corners 42">
+            <a:extLst>
+              <a:ext uri="{FF2B5EF4-FFF2-40B4-BE49-F238E27FC236}">
+                <a16:creationId xmlns:a16="http://schemas.microsoft.com/office/drawing/2014/main" id="{9039415B-5A4B-C3A5-4916-7BB10D636242}"/>
+              </a:ext>
+            </a:extLst>
+          </p:cNvPr>
+          <p:cNvSpPr/>
+          <p:nvPr/>
+        </p:nvSpPr>
+        <p:spPr>
+          <a:xfrm>
+            <a:off x="2416687" y="3013512"/>
+            <a:ext cx="671222" cy="603731"/>
+          </a:xfrm>
+          <a:prstGeom prst="roundRect">
+            <a:avLst/>
+          </a:prstGeom>
+          <a:solidFill>
+            <a:schemeClr val="bg1"/>
+          </a:solidFill>
+          <a:ln>
+            <a:solidFill>
+              <a:srgbClr val="0D649A"/>
+            </a:solidFill>
+          </a:ln>
+        </p:spPr>
+        <p:style>
+          <a:lnRef idx="2">
+            <a:schemeClr val="accent1">
+              <a:shade val="15000"/>
+            </a:schemeClr>
+          </a:lnRef>
+          <a:fillRef idx="1">
+            <a:schemeClr val="accent1"/>
+          </a:fillRef>
+          <a:effectRef idx="0">
+            <a:schemeClr val="accent1"/>
+          </a:effectRef>
+          <a:fontRef idx="minor">
+            <a:schemeClr val="lt1"/>
+          </a:fontRef>
+        </p:style>
+        <p:txBody>
+          <a:bodyPr rtlCol="0" anchor="ctr"/>
+          <a:lstStyle/>
+          <a:p>
+            <a:pPr algn="ctr"/>
+            <a:endParaRPr lang="pt-BR" sz="1253"/>
+          </a:p>
+        </p:txBody>
+      </p:sp>
+      <p:sp>
+        <p:nvSpPr>
+          <p:cNvPr id="44" name="Rectangle: Rounded Corners 43">
+            <a:extLst>
+              <a:ext uri="{FF2B5EF4-FFF2-40B4-BE49-F238E27FC236}">
+                <a16:creationId xmlns:a16="http://schemas.microsoft.com/office/drawing/2014/main" id="{4B0C08B5-3DEC-4CE3-3A40-74D2E3B9BB7E}"/>
+              </a:ext>
+            </a:extLst>
+          </p:cNvPr>
+          <p:cNvSpPr/>
+          <p:nvPr/>
+        </p:nvSpPr>
+        <p:spPr>
+          <a:xfrm>
+            <a:off x="2416687" y="3790098"/>
+            <a:ext cx="671222" cy="603731"/>
+          </a:xfrm>
+          <a:prstGeom prst="roundRect">
+            <a:avLst/>
+          </a:prstGeom>
+          <a:solidFill>
+            <a:schemeClr val="bg1"/>
+          </a:solidFill>
+          <a:ln>
+            <a:solidFill>
+              <a:srgbClr val="0D649A"/>
+            </a:solidFill>
+          </a:ln>
+        </p:spPr>
+        <p:style>
+          <a:lnRef idx="2">
+            <a:schemeClr val="accent1">
+              <a:shade val="15000"/>
+            </a:schemeClr>
+          </a:lnRef>
+          <a:fillRef idx="1">
+            <a:schemeClr val="accent1"/>
+          </a:fillRef>
+          <a:effectRef idx="0">
+            <a:schemeClr val="accent1"/>
+          </a:effectRef>
+          <a:fontRef idx="minor">
+            <a:schemeClr val="lt1"/>
+          </a:fontRef>
+        </p:style>
+        <p:txBody>
+          <a:bodyPr rtlCol="0" anchor="ctr"/>
+          <a:lstStyle/>
+          <a:p>
+            <a:pPr algn="ctr"/>
+            <a:endParaRPr lang="pt-BR" sz="1253"/>
+          </a:p>
+        </p:txBody>
+      </p:sp>
+      <p:sp>
+        <p:nvSpPr>
+          <p:cNvPr id="45" name="Rectangle: Rounded Corners 44">
+            <a:extLst>
+              <a:ext uri="{FF2B5EF4-FFF2-40B4-BE49-F238E27FC236}">
+                <a16:creationId xmlns:a16="http://schemas.microsoft.com/office/drawing/2014/main" id="{22039B95-3987-5A93-11A4-046E95C1B16A}"/>
+              </a:ext>
+            </a:extLst>
+          </p:cNvPr>
+          <p:cNvSpPr/>
+          <p:nvPr/>
+        </p:nvSpPr>
+        <p:spPr>
+          <a:xfrm>
+            <a:off x="4216564" y="3009775"/>
+            <a:ext cx="671222" cy="603731"/>
+          </a:xfrm>
+          <a:prstGeom prst="roundRect">
+            <a:avLst/>
+          </a:prstGeom>
+          <a:solidFill>
+            <a:schemeClr val="bg1"/>
+          </a:solidFill>
+          <a:ln>
+            <a:solidFill>
+              <a:srgbClr val="0D649A"/>
+            </a:solidFill>
+          </a:ln>
+        </p:spPr>
+        <p:style>
+          <a:lnRef idx="2">
+            <a:schemeClr val="accent1">
+              <a:shade val="15000"/>
+            </a:schemeClr>
+          </a:lnRef>
+          <a:fillRef idx="1">
+            <a:schemeClr val="accent1"/>
+          </a:fillRef>
+          <a:effectRef idx="0">
+            <a:schemeClr val="accent1"/>
+          </a:effectRef>
+          <a:fontRef idx="minor">
+            <a:schemeClr val="lt1"/>
+          </a:fontRef>
+        </p:style>
+        <p:txBody>
+          <a:bodyPr rtlCol="0" anchor="ctr"/>
+          <a:lstStyle/>
+          <a:p>
+            <a:pPr algn="ctr"/>
+            <a:endParaRPr lang="pt-BR" sz="1253"/>
+          </a:p>
+        </p:txBody>
+      </p:sp>
+      <p:sp>
+        <p:nvSpPr>
+          <p:cNvPr id="46" name="Rectangle: Rounded Corners 45">
+            <a:extLst>
+              <a:ext uri="{FF2B5EF4-FFF2-40B4-BE49-F238E27FC236}">
+                <a16:creationId xmlns:a16="http://schemas.microsoft.com/office/drawing/2014/main" id="{77271F02-2D02-28B1-1CD8-0537C8FA80E0}"/>
+              </a:ext>
+            </a:extLst>
+          </p:cNvPr>
+          <p:cNvSpPr/>
+          <p:nvPr/>
+        </p:nvSpPr>
+        <p:spPr>
+          <a:xfrm>
+            <a:off x="4209520" y="3790098"/>
+            <a:ext cx="671222" cy="603731"/>
+          </a:xfrm>
+          <a:prstGeom prst="roundRect">
+            <a:avLst/>
+          </a:prstGeom>
+          <a:solidFill>
+            <a:schemeClr val="bg1"/>
+          </a:solidFill>
+          <a:ln>
+            <a:solidFill>
+              <a:srgbClr val="0D649A"/>
+            </a:solidFill>
+          </a:ln>
+        </p:spPr>
+        <p:style>
+          <a:lnRef idx="2">
+            <a:schemeClr val="accent1">
+              <a:shade val="15000"/>
+            </a:schemeClr>
+          </a:lnRef>
+          <a:fillRef idx="1">
+            <a:schemeClr val="accent1"/>
+          </a:fillRef>
+          <a:effectRef idx="0">
+            <a:schemeClr val="accent1"/>
+          </a:effectRef>
+          <a:fontRef idx="minor">
+            <a:schemeClr val="lt1"/>
+          </a:fontRef>
+        </p:style>
+        <p:txBody>
+          <a:bodyPr rtlCol="0" anchor="ctr"/>
+          <a:lstStyle/>
+          <a:p>
+            <a:pPr algn="ctr"/>
+            <a:endParaRPr lang="pt-BR" sz="1253"/>
+          </a:p>
+        </p:txBody>
+      </p:sp>
+      <p:pic>
+        <p:nvPicPr>
+          <p:cNvPr id="40" name="Picture 4" descr="Home Icons transparent PNG images - StickPNG">
+            <a:extLst>
+              <a:ext uri="{FF2B5EF4-FFF2-40B4-BE49-F238E27FC236}">
+                <a16:creationId xmlns:a16="http://schemas.microsoft.com/office/drawing/2014/main" id="{B4C8DBB5-9733-9E19-0B44-28A1C14A9E1A}"/>
               </a:ext>
             </a:extLst>
           </p:cNvPr>
@@ -5180,13 +5557,20 @@
         </p:blipFill>
         <p:spPr bwMode="auto">
           <a:xfrm>
-            <a:off x="3351159" y="3033762"/>
-            <a:ext cx="611820" cy="611820"/>
+            <a:off x="4293044" y="3061017"/>
+            <a:ext cx="504174" cy="504174"/>
           </a:xfrm>
           <a:prstGeom prst="rect">
             <a:avLst/>
           </a:prstGeom>
           <a:noFill/>
+          <a:effectLst>
+            <a:outerShdw blurRad="50800" dist="38100" dir="2700000" algn="tl" rotWithShape="0">
+              <a:prstClr val="black">
+                <a:alpha val="40000"/>
+              </a:prstClr>
+            </a:outerShdw>
+          </a:effectLst>
           <a:extLst>
             <a:ext uri="{909E8E84-426E-40DD-AFC4-6F175D3DCCD1}">
               <a14:hiddenFill xmlns:a14="http://schemas.microsoft.com/office/drawing/2010/main">
@@ -5198,12 +5582,229 @@
           </a:extLst>
         </p:spPr>
       </p:pic>
-      <p:sp>
-        <p:nvSpPr>
-          <p:cNvPr id="37" name="Rectangle: Rounded Corners 36">
-            <a:extLst>
-              <a:ext uri="{FF2B5EF4-FFF2-40B4-BE49-F238E27FC236}">
-                <a16:creationId xmlns:a16="http://schemas.microsoft.com/office/drawing/2014/main" id="{E38C3E11-5752-0F5C-5F3F-2DB73A42448B}"/>
+      <p:pic>
+        <p:nvPicPr>
+          <p:cNvPr id="39" name="Picture 38">
+            <a:extLst>
+              <a:ext uri="{FF2B5EF4-FFF2-40B4-BE49-F238E27FC236}">
+                <a16:creationId xmlns:a16="http://schemas.microsoft.com/office/drawing/2014/main" id="{4CAC2031-62F7-10C1-90EA-26DF322FB285}"/>
+              </a:ext>
+            </a:extLst>
+          </p:cNvPr>
+          <p:cNvPicPr>
+            <a:picLocks noChangeAspect="1" noChangeArrowheads="1"/>
+          </p:cNvPicPr>
+          <p:nvPr/>
+        </p:nvPicPr>
+        <p:blipFill>
+          <a:blip r:embed="rId8">
+            <a:duotone>
+              <a:schemeClr val="accent1">
+                <a:shade val="45000"/>
+                <a:satMod val="135000"/>
+              </a:schemeClr>
+              <a:prstClr val="white"/>
+            </a:duotone>
+            <a:extLst>
+              <a:ext uri="{28A0092B-C50C-407E-A947-70E740481C1C}">
+                <a14:useLocalDpi xmlns:a14="http://schemas.microsoft.com/office/drawing/2010/main" val="0"/>
+              </a:ext>
+            </a:extLst>
+          </a:blip>
+          <a:srcRect/>
+          <a:stretch/>
+        </p:blipFill>
+        <p:spPr bwMode="auto">
+          <a:xfrm>
+            <a:off x="2473338" y="3034203"/>
+            <a:ext cx="559178" cy="559178"/>
+          </a:xfrm>
+          <a:prstGeom prst="rect">
+            <a:avLst/>
+          </a:prstGeom>
+          <a:noFill/>
+          <a:effectLst>
+            <a:outerShdw blurRad="50800" dist="38100" dir="2700000" algn="tl" rotWithShape="0">
+              <a:prstClr val="black">
+                <a:alpha val="40000"/>
+              </a:prstClr>
+            </a:outerShdw>
+          </a:effectLst>
+          <a:extLst>
+            <a:ext uri="{909E8E84-426E-40DD-AFC4-6F175D3DCCD1}">
+              <a14:hiddenFill xmlns:a14="http://schemas.microsoft.com/office/drawing/2010/main">
+                <a:solidFill>
+                  <a:srgbClr val="FFFFFF"/>
+                </a:solidFill>
+              </a14:hiddenFill>
+            </a:ext>
+          </a:extLst>
+        </p:spPr>
+      </p:pic>
+      <p:pic>
+        <p:nvPicPr>
+          <p:cNvPr id="41" name="Picture 6">
+            <a:extLst>
+              <a:ext uri="{FF2B5EF4-FFF2-40B4-BE49-F238E27FC236}">
+                <a16:creationId xmlns:a16="http://schemas.microsoft.com/office/drawing/2014/main" id="{4A4F623A-B705-E416-26FE-A34242CCFBF2}"/>
+              </a:ext>
+            </a:extLst>
+          </p:cNvPr>
+          <p:cNvPicPr>
+            <a:picLocks noChangeAspect="1" noChangeArrowheads="1"/>
+          </p:cNvPicPr>
+          <p:nvPr/>
+        </p:nvPicPr>
+        <p:blipFill>
+          <a:blip r:embed="rId3">
+            <a:clrChange>
+              <a:clrFrom>
+                <a:srgbClr val="FFFFFF"/>
+              </a:clrFrom>
+              <a:clrTo>
+                <a:srgbClr val="FFFFFF">
+                  <a:alpha val="0"/>
+                </a:srgbClr>
+              </a:clrTo>
+            </a:clrChange>
+            <a:duotone>
+              <a:schemeClr val="accent1">
+                <a:shade val="45000"/>
+                <a:satMod val="135000"/>
+              </a:schemeClr>
+              <a:prstClr val="white"/>
+            </a:duotone>
+            <a:extLst>
+              <a:ext uri="{28A0092B-C50C-407E-A947-70E740481C1C}">
+                <a14:useLocalDpi xmlns:a14="http://schemas.microsoft.com/office/drawing/2010/main" val="0"/>
+              </a:ext>
+            </a:extLst>
+          </a:blip>
+          <a:srcRect/>
+          <a:stretch/>
+        </p:blipFill>
+        <p:spPr bwMode="auto">
+          <a:xfrm>
+            <a:off x="2503561" y="3837213"/>
+            <a:ext cx="509500" cy="509500"/>
+          </a:xfrm>
+          <a:prstGeom prst="rect">
+            <a:avLst/>
+          </a:prstGeom>
+          <a:noFill/>
+          <a:effectLst>
+            <a:outerShdw blurRad="50800" dist="38100" dir="2700000" algn="tl" rotWithShape="0">
+              <a:prstClr val="black">
+                <a:alpha val="40000"/>
+              </a:prstClr>
+            </a:outerShdw>
+          </a:effectLst>
+          <a:extLst>
+            <a:ext uri="{909E8E84-426E-40DD-AFC4-6F175D3DCCD1}">
+              <a14:hiddenFill xmlns:a14="http://schemas.microsoft.com/office/drawing/2010/main">
+                <a:solidFill>
+                  <a:srgbClr val="FFFFFF"/>
+                </a:solidFill>
+              </a14:hiddenFill>
+            </a:ext>
+          </a:extLst>
+        </p:spPr>
+      </p:pic>
+      <p:pic>
+        <p:nvPicPr>
+          <p:cNvPr id="42" name="Picture 10">
+            <a:extLst>
+              <a:ext uri="{FF2B5EF4-FFF2-40B4-BE49-F238E27FC236}">
+                <a16:creationId xmlns:a16="http://schemas.microsoft.com/office/drawing/2014/main" id="{41437DA3-963B-C894-7510-37C7D9E7CE5E}"/>
+              </a:ext>
+            </a:extLst>
+          </p:cNvPr>
+          <p:cNvPicPr>
+            <a:picLocks noChangeAspect="1" noChangeArrowheads="1"/>
+          </p:cNvPicPr>
+          <p:nvPr/>
+        </p:nvPicPr>
+        <p:blipFill>
+          <a:blip r:embed="rId9">
+            <a:duotone>
+              <a:schemeClr val="accent1">
+                <a:shade val="45000"/>
+                <a:satMod val="135000"/>
+              </a:schemeClr>
+              <a:prstClr val="white"/>
+            </a:duotone>
+            <a:extLst>
+              <a:ext uri="{28A0092B-C50C-407E-A947-70E740481C1C}">
+                <a14:useLocalDpi xmlns:a14="http://schemas.microsoft.com/office/drawing/2010/main" val="0"/>
+              </a:ext>
+            </a:extLst>
+          </a:blip>
+          <a:srcRect/>
+          <a:stretch/>
+        </p:blipFill>
+        <p:spPr bwMode="auto">
+          <a:xfrm>
+            <a:off x="4331219" y="3848898"/>
+            <a:ext cx="465999" cy="465999"/>
+          </a:xfrm>
+          <a:prstGeom prst="rect">
+            <a:avLst/>
+          </a:prstGeom>
+          <a:noFill/>
+          <a:effectLst>
+            <a:outerShdw blurRad="50800" dist="38100" dir="2700000" algn="tl" rotWithShape="0">
+              <a:prstClr val="black">
+                <a:alpha val="40000"/>
+              </a:prstClr>
+            </a:outerShdw>
+          </a:effectLst>
+          <a:extLst>
+            <a:ext uri="{909E8E84-426E-40DD-AFC4-6F175D3DCCD1}">
+              <a14:hiddenFill xmlns:a14="http://schemas.microsoft.com/office/drawing/2010/main">
+                <a:solidFill>
+                  <a:srgbClr val="FFFFFF"/>
+                </a:solidFill>
+              </a14:hiddenFill>
+            </a:ext>
+          </a:extLst>
+        </p:spPr>
+      </p:pic>
+    </p:spTree>
+    <p:extLst>
+      <p:ext uri="{BB962C8B-B14F-4D97-AF65-F5344CB8AC3E}">
+        <p14:creationId xmlns:p14="http://schemas.microsoft.com/office/powerpoint/2010/main" val="2232567207"/>
+      </p:ext>
+    </p:extLst>
+  </p:cSld>
+  <p:clrMapOvr>
+    <a:masterClrMapping/>
+  </p:clrMapOvr>
+</p:sld>
+</file>
+
+<file path=ppt/slides/slide3.xml><?xml version="1.0" encoding="utf-8"?>
+<p:sld xmlns:a="http://schemas.openxmlformats.org/drawingml/2006/main" xmlns:r="http://schemas.openxmlformats.org/officeDocument/2006/relationships" xmlns:p="http://schemas.openxmlformats.org/presentationml/2006/main">
+  <p:cSld>
+    <p:spTree>
+      <p:nvGrpSpPr>
+        <p:cNvPr id="1" name=""/>
+        <p:cNvGrpSpPr/>
+        <p:nvPr/>
+      </p:nvGrpSpPr>
+      <p:grpSpPr>
+        <a:xfrm>
+          <a:off x="0" y="0"/>
+          <a:ext cx="0" cy="0"/>
+          <a:chOff x="0" y="0"/>
+          <a:chExt cx="0" cy="0"/>
+        </a:xfrm>
+      </p:grpSpPr>
+      <p:sp>
+        <p:nvSpPr>
+          <p:cNvPr id="2" name="Rectangle 1">
+            <a:extLst>
+              <a:ext uri="{FF2B5EF4-FFF2-40B4-BE49-F238E27FC236}">
+                <a16:creationId xmlns:a16="http://schemas.microsoft.com/office/drawing/2014/main" id="{6480F3EE-EFCD-A3B8-B8E4-F22887A03457}"/>
               </a:ext>
             </a:extLst>
           </p:cNvPr>
@@ -5212,19 +5813,29 @@
         </p:nvSpPr>
         <p:spPr>
           <a:xfrm>
-            <a:off x="2416687" y="3013512"/>
-            <a:ext cx="671222" cy="603731"/>
-          </a:xfrm>
-          <a:prstGeom prst="roundRect">
+            <a:off x="-9699" y="0"/>
+            <a:ext cx="12201699" cy="6857999"/>
+          </a:xfrm>
+          <a:prstGeom prst="rect">
             <a:avLst/>
           </a:prstGeom>
-          <a:solidFill>
-            <a:schemeClr val="bg1"/>
-          </a:solidFill>
+          <a:gradFill flip="none" rotWithShape="1">
+            <a:gsLst>
+              <a:gs pos="0">
+                <a:srgbClr val="2C3060"/>
+              </a:gs>
+              <a:gs pos="51000">
+                <a:srgbClr val="415F87"/>
+              </a:gs>
+              <a:gs pos="100000">
+                <a:srgbClr val="609CBD"/>
+              </a:gs>
+            </a:gsLst>
+            <a:lin ang="5400000" scaled="1"/>
+            <a:tileRect/>
+          </a:gradFill>
           <a:ln>
-            <a:solidFill>
-              <a:srgbClr val="0D649A"/>
-            </a:solidFill>
+            <a:noFill/>
           </a:ln>
         </p:spPr>
         <p:style>
@@ -5248,16 +5859,147 @@
           <a:lstStyle/>
           <a:p>
             <a:pPr algn="ctr"/>
-            <a:endParaRPr lang="pt-BR" sz="1253"/>
-          </a:p>
-        </p:txBody>
-      </p:sp>
-      <p:sp>
-        <p:nvSpPr>
-          <p:cNvPr id="38" name="Rectangle: Rounded Corners 37">
-            <a:extLst>
-              <a:ext uri="{FF2B5EF4-FFF2-40B4-BE49-F238E27FC236}">
-                <a16:creationId xmlns:a16="http://schemas.microsoft.com/office/drawing/2014/main" id="{769985AF-E27B-78D1-BDE2-6AF2588E0050}"/>
+            <a:endParaRPr lang="en-US" dirty="0"/>
+          </a:p>
+        </p:txBody>
+      </p:sp>
+      <p:pic>
+        <p:nvPicPr>
+          <p:cNvPr id="1030" name="Picture 6">
+            <a:extLst>
+              <a:ext uri="{FF2B5EF4-FFF2-40B4-BE49-F238E27FC236}">
+                <a16:creationId xmlns:a16="http://schemas.microsoft.com/office/drawing/2014/main" id="{D6B0A461-8CC9-CABC-CC2D-7AB56C5D3F17}"/>
+              </a:ext>
+            </a:extLst>
+          </p:cNvPr>
+          <p:cNvPicPr>
+            <a:picLocks noChangeAspect="1" noChangeArrowheads="1"/>
+          </p:cNvPicPr>
+          <p:nvPr/>
+        </p:nvPicPr>
+        <p:blipFill>
+          <a:blip r:embed="rId2">
+            <a:duotone>
+              <a:schemeClr val="accent1">
+                <a:shade val="45000"/>
+                <a:satMod val="135000"/>
+              </a:schemeClr>
+              <a:prstClr val="white"/>
+            </a:duotone>
+            <a:extLst>
+              <a:ext uri="{28A0092B-C50C-407E-A947-70E740481C1C}">
+                <a14:useLocalDpi xmlns:a14="http://schemas.microsoft.com/office/drawing/2010/main" val="0"/>
+              </a:ext>
+            </a:extLst>
+          </a:blip>
+          <a:srcRect/>
+          <a:stretch/>
+        </p:blipFill>
+        <p:spPr bwMode="auto">
+          <a:xfrm>
+            <a:off x="2653180" y="4058402"/>
+            <a:ext cx="335427" cy="335427"/>
+          </a:xfrm>
+          <a:prstGeom prst="rect">
+            <a:avLst/>
+          </a:prstGeom>
+          <a:noFill/>
+          <a:extLst>
+            <a:ext uri="{909E8E84-426E-40DD-AFC4-6F175D3DCCD1}">
+              <a14:hiddenFill xmlns:a14="http://schemas.microsoft.com/office/drawing/2010/main">
+                <a:solidFill>
+                  <a:srgbClr val="FFFFFF"/>
+                </a:solidFill>
+              </a14:hiddenFill>
+            </a:ext>
+          </a:extLst>
+        </p:spPr>
+      </p:pic>
+      <p:pic>
+        <p:nvPicPr>
+          <p:cNvPr id="6" name="Picture 5" descr="A blue line drawing of a calendar&#10;&#10;AI-generated content may be incorrect.">
+            <a:extLst>
+              <a:ext uri="{FF2B5EF4-FFF2-40B4-BE49-F238E27FC236}">
+                <a16:creationId xmlns:a16="http://schemas.microsoft.com/office/drawing/2014/main" id="{E96132B6-5091-6E80-D00B-466BF4644777}"/>
+              </a:ext>
+            </a:extLst>
+          </p:cNvPr>
+          <p:cNvPicPr>
+            <a:picLocks noChangeAspect="1"/>
+          </p:cNvPicPr>
+          <p:nvPr/>
+        </p:nvPicPr>
+        <p:blipFill>
+          <a:blip r:embed="rId3">
+            <a:clrChange>
+              <a:clrFrom>
+                <a:srgbClr val="13689D"/>
+              </a:clrFrom>
+              <a:clrTo>
+                <a:srgbClr val="13689D">
+                  <a:alpha val="0"/>
+                </a:srgbClr>
+              </a:clrTo>
+            </a:clrChange>
+            <a:duotone>
+              <a:schemeClr val="bg2">
+                <a:shade val="45000"/>
+                <a:satMod val="135000"/>
+              </a:schemeClr>
+              <a:prstClr val="white"/>
+            </a:duotone>
+            <a:alphaModFix/>
+            <a:extLst>
+              <a:ext uri="{BEBA8EAE-BF5A-486C-A8C5-ECC9F3942E4B}">
+                <a14:imgProps xmlns:a14="http://schemas.microsoft.com/office/drawing/2010/main">
+                  <a14:imgLayer r:embed="rId4">
+                    <a14:imgEffect>
+                      <a14:artisticPhotocopy/>
+                    </a14:imgEffect>
+                    <a14:imgEffect>
+                      <a14:sharpenSoften amount="50000"/>
+                    </a14:imgEffect>
+                    <a14:imgEffect>
+                      <a14:saturation sat="0"/>
+                    </a14:imgEffect>
+                    <a14:imgEffect>
+                      <a14:brightnessContrast contrast="40000"/>
+                    </a14:imgEffect>
+                  </a14:imgLayer>
+                </a14:imgProps>
+              </a:ext>
+              <a:ext uri="{28A0092B-C50C-407E-A947-70E740481C1C}">
+                <a14:useLocalDpi xmlns:a14="http://schemas.microsoft.com/office/drawing/2010/main" val="0"/>
+              </a:ext>
+            </a:extLst>
+          </a:blip>
+          <a:stretch>
+            <a:fillRect/>
+          </a:stretch>
+        </p:blipFill>
+        <p:spPr>
+          <a:xfrm>
+            <a:off x="1851599" y="1741007"/>
+            <a:ext cx="3597836" cy="3145700"/>
+          </a:xfrm>
+          <a:prstGeom prst="rect">
+            <a:avLst/>
+          </a:prstGeom>
+          <a:effectLst>
+            <a:outerShdw blurRad="50800" dist="38100" dir="2700000" algn="tl" rotWithShape="0">
+              <a:prstClr val="black">
+                <a:alpha val="40000"/>
+              </a:prstClr>
+            </a:outerShdw>
+          </a:effectLst>
+        </p:spPr>
+      </p:pic>
+      <p:sp>
+        <p:nvSpPr>
+          <p:cNvPr id="31" name="Rectangle: Rounded Corners 30">
+            <a:extLst>
+              <a:ext uri="{FF2B5EF4-FFF2-40B4-BE49-F238E27FC236}">
+                <a16:creationId xmlns:a16="http://schemas.microsoft.com/office/drawing/2014/main" id="{2DCED245-B7BA-C6A1-A805-DB13F82CFC83}"/>
               </a:ext>
             </a:extLst>
           </p:cNvPr>
@@ -5266,7 +6008,7 @@
         </p:nvSpPr>
         <p:spPr>
           <a:xfrm>
-            <a:off x="2416687" y="3790098"/>
+            <a:off x="3314906" y="3012925"/>
             <a:ext cx="671222" cy="603731"/>
           </a:xfrm>
           <a:prstGeom prst="roundRect">
@@ -5308,10 +6050,10 @@
       </p:sp>
       <p:sp>
         <p:nvSpPr>
-          <p:cNvPr id="39" name="Rectangle: Rounded Corners 38">
-            <a:extLst>
-              <a:ext uri="{FF2B5EF4-FFF2-40B4-BE49-F238E27FC236}">
-                <a16:creationId xmlns:a16="http://schemas.microsoft.com/office/drawing/2014/main" id="{7335A695-CCE0-A4F5-1A3E-2A986FADD153}"/>
+          <p:cNvPr id="33" name="Rectangle: Rounded Corners 32">
+            <a:extLst>
+              <a:ext uri="{FF2B5EF4-FFF2-40B4-BE49-F238E27FC236}">
+                <a16:creationId xmlns:a16="http://schemas.microsoft.com/office/drawing/2014/main" id="{D85E5D68-4963-B9E3-91A1-139AF9C8F72F}"/>
               </a:ext>
             </a:extLst>
           </p:cNvPr>
@@ -5320,20 +6062,27 @@
         </p:nvSpPr>
         <p:spPr>
           <a:xfrm>
-            <a:off x="4216564" y="3009775"/>
-            <a:ext cx="671222" cy="603731"/>
+            <a:off x="904701" y="760859"/>
+            <a:ext cx="914400" cy="914399"/>
           </a:xfrm>
           <a:prstGeom prst="roundRect">
             <a:avLst/>
           </a:prstGeom>
           <a:solidFill>
-            <a:schemeClr val="bg1"/>
+            <a:srgbClr val="FFC000">
+              <a:alpha val="80000"/>
+            </a:srgbClr>
           </a:solidFill>
           <a:ln>
-            <a:solidFill>
-              <a:srgbClr val="0D649A"/>
-            </a:solidFill>
+            <a:noFill/>
           </a:ln>
+          <a:effectLst>
+            <a:outerShdw blurRad="50800" dist="38100" dir="2700000" algn="tl" rotWithShape="0">
+              <a:prstClr val="black">
+                <a:alpha val="40000"/>
+              </a:prstClr>
+            </a:outerShdw>
+          </a:effectLst>
         </p:spPr>
         <p:style>
           <a:lnRef idx="2">
@@ -5362,10 +6111,10 @@
       </p:sp>
       <p:sp>
         <p:nvSpPr>
-          <p:cNvPr id="40" name="Rectangle: Rounded Corners 39">
-            <a:extLst>
-              <a:ext uri="{FF2B5EF4-FFF2-40B4-BE49-F238E27FC236}">
-                <a16:creationId xmlns:a16="http://schemas.microsoft.com/office/drawing/2014/main" id="{034CD9CD-448D-0D07-BD34-4909CE7D94C0}"/>
+          <p:cNvPr id="35" name="Rectangle: Rounded Corners 34">
+            <a:extLst>
+              <a:ext uri="{FF2B5EF4-FFF2-40B4-BE49-F238E27FC236}">
+                <a16:creationId xmlns:a16="http://schemas.microsoft.com/office/drawing/2014/main" id="{7F593C5F-4332-5F2D-DA03-AFB7D67F7761}"/>
               </a:ext>
             </a:extLst>
           </p:cNvPr>
@@ -5374,20 +6123,27 @@
         </p:nvSpPr>
         <p:spPr>
           <a:xfrm>
-            <a:off x="4209520" y="3790098"/>
-            <a:ext cx="671222" cy="603731"/>
+            <a:off x="2304030" y="561770"/>
+            <a:ext cx="513977" cy="425826"/>
           </a:xfrm>
           <a:prstGeom prst="roundRect">
             <a:avLst/>
           </a:prstGeom>
           <a:solidFill>
-            <a:schemeClr val="bg1"/>
+            <a:srgbClr val="FFC000">
+              <a:alpha val="80000"/>
+            </a:srgbClr>
           </a:solidFill>
           <a:ln>
-            <a:solidFill>
-              <a:srgbClr val="0D649A"/>
-            </a:solidFill>
+            <a:noFill/>
           </a:ln>
+          <a:effectLst>
+            <a:outerShdw blurRad="50800" dist="38100" dir="2700000" algn="tl" rotWithShape="0">
+              <a:prstClr val="black">
+                <a:alpha val="40000"/>
+              </a:prstClr>
+            </a:outerShdw>
+          </a:effectLst>
         </p:spPr>
         <p:style>
           <a:lnRef idx="2">
@@ -5410,16 +6166,622 @@
           <a:lstStyle/>
           <a:p>
             <a:pPr algn="ctr"/>
+            <a:endParaRPr lang="pt-BR" sz="1253" dirty="0"/>
+          </a:p>
+        </p:txBody>
+      </p:sp>
+      <p:sp>
+        <p:nvSpPr>
+          <p:cNvPr id="36" name="Rectangle: Rounded Corners 35">
+            <a:extLst>
+              <a:ext uri="{FF2B5EF4-FFF2-40B4-BE49-F238E27FC236}">
+                <a16:creationId xmlns:a16="http://schemas.microsoft.com/office/drawing/2014/main" id="{D415AA63-ABEC-63FA-41A9-7571E0B244FE}"/>
+              </a:ext>
+            </a:extLst>
+          </p:cNvPr>
+          <p:cNvSpPr/>
+          <p:nvPr/>
+        </p:nvSpPr>
+        <p:spPr>
+          <a:xfrm>
+            <a:off x="572450" y="1528094"/>
+            <a:ext cx="513977" cy="425826"/>
+          </a:xfrm>
+          <a:prstGeom prst="roundRect">
+            <a:avLst/>
+          </a:prstGeom>
+          <a:solidFill>
+            <a:srgbClr val="FFFFFF">
+              <a:alpha val="80000"/>
+            </a:srgbClr>
+          </a:solidFill>
+          <a:ln>
+            <a:noFill/>
+          </a:ln>
+          <a:effectLst>
+            <a:outerShdw blurRad="50800" dist="38100" dir="2700000" algn="tl" rotWithShape="0">
+              <a:prstClr val="black">
+                <a:alpha val="40000"/>
+              </a:prstClr>
+            </a:outerShdw>
+          </a:effectLst>
+        </p:spPr>
+        <p:style>
+          <a:lnRef idx="2">
+            <a:schemeClr val="accent1">
+              <a:shade val="15000"/>
+            </a:schemeClr>
+          </a:lnRef>
+          <a:fillRef idx="1">
+            <a:schemeClr val="accent1"/>
+          </a:fillRef>
+          <a:effectRef idx="0">
+            <a:schemeClr val="accent1"/>
+          </a:effectRef>
+          <a:fontRef idx="minor">
+            <a:schemeClr val="lt1"/>
+          </a:fontRef>
+        </p:style>
+        <p:txBody>
+          <a:bodyPr rtlCol="0" anchor="ctr"/>
+          <a:lstStyle/>
+          <a:p>
+            <a:pPr algn="ctr"/>
+            <a:endParaRPr lang="pt-BR" sz="1253"/>
+          </a:p>
+        </p:txBody>
+      </p:sp>
+      <p:sp>
+        <p:nvSpPr>
+          <p:cNvPr id="37" name="Rectangle: Rounded Corners 36">
+            <a:extLst>
+              <a:ext uri="{FF2B5EF4-FFF2-40B4-BE49-F238E27FC236}">
+                <a16:creationId xmlns:a16="http://schemas.microsoft.com/office/drawing/2014/main" id="{13D3FD4B-4A6A-313B-E1BE-CAC906693004}"/>
+              </a:ext>
+            </a:extLst>
+          </p:cNvPr>
+          <p:cNvSpPr/>
+          <p:nvPr/>
+        </p:nvSpPr>
+        <p:spPr>
+          <a:xfrm>
+            <a:off x="572450" y="854605"/>
+            <a:ext cx="513977" cy="425826"/>
+          </a:xfrm>
+          <a:prstGeom prst="roundRect">
+            <a:avLst/>
+          </a:prstGeom>
+          <a:solidFill>
+            <a:srgbClr val="00B050"/>
+          </a:solidFill>
+          <a:ln>
+            <a:noFill/>
+          </a:ln>
+          <a:effectLst>
+            <a:outerShdw blurRad="50800" dist="38100" dir="2700000" algn="tl" rotWithShape="0">
+              <a:prstClr val="black">
+                <a:alpha val="40000"/>
+              </a:prstClr>
+            </a:outerShdw>
+          </a:effectLst>
+        </p:spPr>
+        <p:style>
+          <a:lnRef idx="2">
+            <a:schemeClr val="accent1">
+              <a:shade val="15000"/>
+            </a:schemeClr>
+          </a:lnRef>
+          <a:fillRef idx="1">
+            <a:schemeClr val="accent1"/>
+          </a:fillRef>
+          <a:effectRef idx="0">
+            <a:schemeClr val="accent1"/>
+          </a:effectRef>
+          <a:fontRef idx="minor">
+            <a:schemeClr val="lt1"/>
+          </a:fontRef>
+        </p:style>
+        <p:txBody>
+          <a:bodyPr rtlCol="0" anchor="ctr"/>
+          <a:lstStyle/>
+          <a:p>
+            <a:pPr algn="ctr"/>
             <a:endParaRPr lang="pt-BR" sz="1253"/>
           </a:p>
         </p:txBody>
       </p:sp>
       <p:pic>
         <p:nvPicPr>
-          <p:cNvPr id="41" name="Picture 4" descr="Home Icons transparent PNG images - StickPNG">
-            <a:extLst>
-              <a:ext uri="{FF2B5EF4-FFF2-40B4-BE49-F238E27FC236}">
-                <a16:creationId xmlns:a16="http://schemas.microsoft.com/office/drawing/2014/main" id="{DBEBAE78-CAD8-855F-C2FE-3E828397097C}"/>
+          <p:cNvPr id="38" name="Picture 2" descr="65+ Thousand Airplane Pictogram Royalty-Free Images, Stock Photos &amp;  Pictures | Shutterstock">
+            <a:extLst>
+              <a:ext uri="{FF2B5EF4-FFF2-40B4-BE49-F238E27FC236}">
+                <a16:creationId xmlns:a16="http://schemas.microsoft.com/office/drawing/2014/main" id="{AC16D067-C17B-885D-C5C2-42EFF297B7DF}"/>
+              </a:ext>
+            </a:extLst>
+          </p:cNvPr>
+          <p:cNvPicPr>
+            <a:picLocks noChangeAspect="1" noChangeArrowheads="1"/>
+          </p:cNvPicPr>
+          <p:nvPr/>
+        </p:nvPicPr>
+        <p:blipFill>
+          <a:blip r:embed="rId5">
+            <a:clrChange>
+              <a:clrFrom>
+                <a:srgbClr val="FFFFFF"/>
+              </a:clrFrom>
+              <a:clrTo>
+                <a:srgbClr val="FFFFFF">
+                  <a:alpha val="0"/>
+                </a:srgbClr>
+              </a:clrTo>
+            </a:clrChange>
+            <a:duotone>
+              <a:schemeClr val="accent1">
+                <a:shade val="45000"/>
+                <a:satMod val="135000"/>
+              </a:schemeClr>
+              <a:prstClr val="white"/>
+            </a:duotone>
+            <a:extLst>
+              <a:ext uri="{28A0092B-C50C-407E-A947-70E740481C1C}">
+                <a14:useLocalDpi xmlns:a14="http://schemas.microsoft.com/office/drawing/2010/main" val="0"/>
+              </a:ext>
+            </a:extLst>
+          </a:blip>
+          <a:srcRect/>
+          <a:stretch>
+            <a:fillRect/>
+          </a:stretch>
+        </p:blipFill>
+        <p:spPr bwMode="auto">
+          <a:xfrm>
+            <a:off x="3351159" y="3033762"/>
+            <a:ext cx="611820" cy="611820"/>
+          </a:xfrm>
+          <a:prstGeom prst="rect">
+            <a:avLst/>
+          </a:prstGeom>
+          <a:noFill/>
+          <a:effectLst>
+            <a:outerShdw blurRad="50800" dist="38100" dir="2700000" algn="tl" rotWithShape="0">
+              <a:prstClr val="black">
+                <a:alpha val="40000"/>
+              </a:prstClr>
+            </a:outerShdw>
+          </a:effectLst>
+          <a:extLst>
+            <a:ext uri="{909E8E84-426E-40DD-AFC4-6F175D3DCCD1}">
+              <a14:hiddenFill xmlns:a14="http://schemas.microsoft.com/office/drawing/2010/main">
+                <a:solidFill>
+                  <a:srgbClr val="FFFFFF"/>
+                </a:solidFill>
+              </a14:hiddenFill>
+            </a:ext>
+          </a:extLst>
+        </p:spPr>
+      </p:pic>
+      <p:sp>
+        <p:nvSpPr>
+          <p:cNvPr id="43" name="Rectangle: Rounded Corners 42">
+            <a:extLst>
+              <a:ext uri="{FF2B5EF4-FFF2-40B4-BE49-F238E27FC236}">
+                <a16:creationId xmlns:a16="http://schemas.microsoft.com/office/drawing/2014/main" id="{9039415B-5A4B-C3A5-4916-7BB10D636242}"/>
+              </a:ext>
+            </a:extLst>
+          </p:cNvPr>
+          <p:cNvSpPr/>
+          <p:nvPr/>
+        </p:nvSpPr>
+        <p:spPr>
+          <a:xfrm>
+            <a:off x="2416687" y="3013512"/>
+            <a:ext cx="671222" cy="603731"/>
+          </a:xfrm>
+          <a:prstGeom prst="roundRect">
+            <a:avLst/>
+          </a:prstGeom>
+          <a:solidFill>
+            <a:schemeClr val="bg1"/>
+          </a:solidFill>
+          <a:ln>
+            <a:solidFill>
+              <a:srgbClr val="0D649A"/>
+            </a:solidFill>
+          </a:ln>
+        </p:spPr>
+        <p:style>
+          <a:lnRef idx="2">
+            <a:schemeClr val="accent1">
+              <a:shade val="15000"/>
+            </a:schemeClr>
+          </a:lnRef>
+          <a:fillRef idx="1">
+            <a:schemeClr val="accent1"/>
+          </a:fillRef>
+          <a:effectRef idx="0">
+            <a:schemeClr val="accent1"/>
+          </a:effectRef>
+          <a:fontRef idx="minor">
+            <a:schemeClr val="lt1"/>
+          </a:fontRef>
+        </p:style>
+        <p:txBody>
+          <a:bodyPr rtlCol="0" anchor="ctr"/>
+          <a:lstStyle/>
+          <a:p>
+            <a:pPr algn="ctr"/>
+            <a:endParaRPr lang="pt-BR" sz="1253"/>
+          </a:p>
+        </p:txBody>
+      </p:sp>
+      <p:sp>
+        <p:nvSpPr>
+          <p:cNvPr id="44" name="Rectangle: Rounded Corners 43">
+            <a:extLst>
+              <a:ext uri="{FF2B5EF4-FFF2-40B4-BE49-F238E27FC236}">
+                <a16:creationId xmlns:a16="http://schemas.microsoft.com/office/drawing/2014/main" id="{4B0C08B5-3DEC-4CE3-3A40-74D2E3B9BB7E}"/>
+              </a:ext>
+            </a:extLst>
+          </p:cNvPr>
+          <p:cNvSpPr/>
+          <p:nvPr/>
+        </p:nvSpPr>
+        <p:spPr>
+          <a:xfrm>
+            <a:off x="2416687" y="3790098"/>
+            <a:ext cx="671222" cy="603731"/>
+          </a:xfrm>
+          <a:prstGeom prst="roundRect">
+            <a:avLst/>
+          </a:prstGeom>
+          <a:solidFill>
+            <a:schemeClr val="bg1"/>
+          </a:solidFill>
+          <a:ln>
+            <a:solidFill>
+              <a:srgbClr val="0D649A"/>
+            </a:solidFill>
+          </a:ln>
+        </p:spPr>
+        <p:style>
+          <a:lnRef idx="2">
+            <a:schemeClr val="accent1">
+              <a:shade val="15000"/>
+            </a:schemeClr>
+          </a:lnRef>
+          <a:fillRef idx="1">
+            <a:schemeClr val="accent1"/>
+          </a:fillRef>
+          <a:effectRef idx="0">
+            <a:schemeClr val="accent1"/>
+          </a:effectRef>
+          <a:fontRef idx="minor">
+            <a:schemeClr val="lt1"/>
+          </a:fontRef>
+        </p:style>
+        <p:txBody>
+          <a:bodyPr rtlCol="0" anchor="ctr"/>
+          <a:lstStyle/>
+          <a:p>
+            <a:pPr algn="ctr"/>
+            <a:endParaRPr lang="pt-BR" sz="1253"/>
+          </a:p>
+        </p:txBody>
+      </p:sp>
+      <p:sp>
+        <p:nvSpPr>
+          <p:cNvPr id="45" name="Rectangle: Rounded Corners 44">
+            <a:extLst>
+              <a:ext uri="{FF2B5EF4-FFF2-40B4-BE49-F238E27FC236}">
+                <a16:creationId xmlns:a16="http://schemas.microsoft.com/office/drawing/2014/main" id="{22039B95-3987-5A93-11A4-046E95C1B16A}"/>
+              </a:ext>
+            </a:extLst>
+          </p:cNvPr>
+          <p:cNvSpPr/>
+          <p:nvPr/>
+        </p:nvSpPr>
+        <p:spPr>
+          <a:xfrm>
+            <a:off x="4216564" y="3009775"/>
+            <a:ext cx="671222" cy="603731"/>
+          </a:xfrm>
+          <a:prstGeom prst="roundRect">
+            <a:avLst/>
+          </a:prstGeom>
+          <a:solidFill>
+            <a:schemeClr val="bg1"/>
+          </a:solidFill>
+          <a:ln>
+            <a:solidFill>
+              <a:srgbClr val="0D649A"/>
+            </a:solidFill>
+          </a:ln>
+        </p:spPr>
+        <p:style>
+          <a:lnRef idx="2">
+            <a:schemeClr val="accent1">
+              <a:shade val="15000"/>
+            </a:schemeClr>
+          </a:lnRef>
+          <a:fillRef idx="1">
+            <a:schemeClr val="accent1"/>
+          </a:fillRef>
+          <a:effectRef idx="0">
+            <a:schemeClr val="accent1"/>
+          </a:effectRef>
+          <a:fontRef idx="minor">
+            <a:schemeClr val="lt1"/>
+          </a:fontRef>
+        </p:style>
+        <p:txBody>
+          <a:bodyPr rtlCol="0" anchor="ctr"/>
+          <a:lstStyle/>
+          <a:p>
+            <a:pPr algn="ctr"/>
+            <a:endParaRPr lang="pt-BR" sz="1253"/>
+          </a:p>
+        </p:txBody>
+      </p:sp>
+      <p:sp>
+        <p:nvSpPr>
+          <p:cNvPr id="46" name="Rectangle: Rounded Corners 45">
+            <a:extLst>
+              <a:ext uri="{FF2B5EF4-FFF2-40B4-BE49-F238E27FC236}">
+                <a16:creationId xmlns:a16="http://schemas.microsoft.com/office/drawing/2014/main" id="{77271F02-2D02-28B1-1CD8-0537C8FA80E0}"/>
+              </a:ext>
+            </a:extLst>
+          </p:cNvPr>
+          <p:cNvSpPr/>
+          <p:nvPr/>
+        </p:nvSpPr>
+        <p:spPr>
+          <a:xfrm>
+            <a:off x="4209520" y="3790098"/>
+            <a:ext cx="671222" cy="603731"/>
+          </a:xfrm>
+          <a:prstGeom prst="roundRect">
+            <a:avLst/>
+          </a:prstGeom>
+          <a:solidFill>
+            <a:schemeClr val="bg1"/>
+          </a:solidFill>
+          <a:ln>
+            <a:solidFill>
+              <a:srgbClr val="0D649A"/>
+            </a:solidFill>
+          </a:ln>
+        </p:spPr>
+        <p:style>
+          <a:lnRef idx="2">
+            <a:schemeClr val="accent1">
+              <a:shade val="15000"/>
+            </a:schemeClr>
+          </a:lnRef>
+          <a:fillRef idx="1">
+            <a:schemeClr val="accent1"/>
+          </a:fillRef>
+          <a:effectRef idx="0">
+            <a:schemeClr val="accent1"/>
+          </a:effectRef>
+          <a:fontRef idx="minor">
+            <a:schemeClr val="lt1"/>
+          </a:fontRef>
+        </p:style>
+        <p:txBody>
+          <a:bodyPr rtlCol="0" anchor="ctr"/>
+          <a:lstStyle/>
+          <a:p>
+            <a:pPr algn="ctr"/>
+            <a:endParaRPr lang="pt-BR" sz="1253"/>
+          </a:p>
+        </p:txBody>
+      </p:sp>
+      <p:pic>
+        <p:nvPicPr>
+          <p:cNvPr id="40" name="Picture 4" descr="Home Icons transparent PNG images - StickPNG">
+            <a:extLst>
+              <a:ext uri="{FF2B5EF4-FFF2-40B4-BE49-F238E27FC236}">
+                <a16:creationId xmlns:a16="http://schemas.microsoft.com/office/drawing/2014/main" id="{B4C8DBB5-9733-9E19-0B44-28A1C14A9E1A}"/>
+              </a:ext>
+            </a:extLst>
+          </p:cNvPr>
+          <p:cNvPicPr>
+            <a:picLocks noChangeAspect="1" noChangeArrowheads="1"/>
+          </p:cNvPicPr>
+          <p:nvPr/>
+        </p:nvPicPr>
+        <p:blipFill>
+          <a:blip r:embed="rId6">
+            <a:clrChange>
+              <a:clrFrom>
+                <a:srgbClr val="FFFFFF"/>
+              </a:clrFrom>
+              <a:clrTo>
+                <a:srgbClr val="FFFFFF">
+                  <a:alpha val="0"/>
+                </a:srgbClr>
+              </a:clrTo>
+            </a:clrChange>
+            <a:duotone>
+              <a:schemeClr val="accent1">
+                <a:shade val="45000"/>
+                <a:satMod val="135000"/>
+              </a:schemeClr>
+              <a:prstClr val="white"/>
+            </a:duotone>
+            <a:extLst>
+              <a:ext uri="{28A0092B-C50C-407E-A947-70E740481C1C}">
+                <a14:useLocalDpi xmlns:a14="http://schemas.microsoft.com/office/drawing/2010/main" val="0"/>
+              </a:ext>
+            </a:extLst>
+          </a:blip>
+          <a:srcRect/>
+          <a:stretch>
+            <a:fillRect/>
+          </a:stretch>
+        </p:blipFill>
+        <p:spPr bwMode="auto">
+          <a:xfrm>
+            <a:off x="4293044" y="3061017"/>
+            <a:ext cx="504174" cy="504174"/>
+          </a:xfrm>
+          <a:prstGeom prst="rect">
+            <a:avLst/>
+          </a:prstGeom>
+          <a:noFill/>
+          <a:effectLst>
+            <a:outerShdw blurRad="50800" dist="38100" dir="2700000" algn="tl" rotWithShape="0">
+              <a:prstClr val="black">
+                <a:alpha val="40000"/>
+              </a:prstClr>
+            </a:outerShdw>
+          </a:effectLst>
+          <a:extLst>
+            <a:ext uri="{909E8E84-426E-40DD-AFC4-6F175D3DCCD1}">
+              <a14:hiddenFill xmlns:a14="http://schemas.microsoft.com/office/drawing/2010/main">
+                <a:solidFill>
+                  <a:srgbClr val="FFFFFF"/>
+                </a:solidFill>
+              </a14:hiddenFill>
+            </a:ext>
+          </a:extLst>
+        </p:spPr>
+      </p:pic>
+      <p:pic>
+        <p:nvPicPr>
+          <p:cNvPr id="39" name="Picture 38">
+            <a:extLst>
+              <a:ext uri="{FF2B5EF4-FFF2-40B4-BE49-F238E27FC236}">
+                <a16:creationId xmlns:a16="http://schemas.microsoft.com/office/drawing/2014/main" id="{4CAC2031-62F7-10C1-90EA-26DF322FB285}"/>
+              </a:ext>
+            </a:extLst>
+          </p:cNvPr>
+          <p:cNvPicPr>
+            <a:picLocks noChangeAspect="1" noChangeArrowheads="1"/>
+          </p:cNvPicPr>
+          <p:nvPr/>
+        </p:nvPicPr>
+        <p:blipFill>
+          <a:blip r:embed="rId7">
+            <a:duotone>
+              <a:schemeClr val="accent1">
+                <a:shade val="45000"/>
+                <a:satMod val="135000"/>
+              </a:schemeClr>
+              <a:prstClr val="white"/>
+            </a:duotone>
+            <a:extLst>
+              <a:ext uri="{28A0092B-C50C-407E-A947-70E740481C1C}">
+                <a14:useLocalDpi xmlns:a14="http://schemas.microsoft.com/office/drawing/2010/main" val="0"/>
+              </a:ext>
+            </a:extLst>
+          </a:blip>
+          <a:srcRect/>
+          <a:stretch/>
+        </p:blipFill>
+        <p:spPr bwMode="auto">
+          <a:xfrm>
+            <a:off x="2473338" y="3034203"/>
+            <a:ext cx="559178" cy="559178"/>
+          </a:xfrm>
+          <a:prstGeom prst="rect">
+            <a:avLst/>
+          </a:prstGeom>
+          <a:noFill/>
+          <a:effectLst>
+            <a:outerShdw blurRad="50800" dist="38100" dir="2700000" algn="tl" rotWithShape="0">
+              <a:prstClr val="black">
+                <a:alpha val="40000"/>
+              </a:prstClr>
+            </a:outerShdw>
+          </a:effectLst>
+          <a:extLst>
+            <a:ext uri="{909E8E84-426E-40DD-AFC4-6F175D3DCCD1}">
+              <a14:hiddenFill xmlns:a14="http://schemas.microsoft.com/office/drawing/2010/main">
+                <a:solidFill>
+                  <a:srgbClr val="FFFFFF"/>
+                </a:solidFill>
+              </a14:hiddenFill>
+            </a:ext>
+          </a:extLst>
+        </p:spPr>
+      </p:pic>
+      <p:pic>
+        <p:nvPicPr>
+          <p:cNvPr id="41" name="Picture 6">
+            <a:extLst>
+              <a:ext uri="{FF2B5EF4-FFF2-40B4-BE49-F238E27FC236}">
+                <a16:creationId xmlns:a16="http://schemas.microsoft.com/office/drawing/2014/main" id="{4A4F623A-B705-E416-26FE-A34242CCFBF2}"/>
+              </a:ext>
+            </a:extLst>
+          </p:cNvPr>
+          <p:cNvPicPr>
+            <a:picLocks noChangeAspect="1" noChangeArrowheads="1"/>
+          </p:cNvPicPr>
+          <p:nvPr/>
+        </p:nvPicPr>
+        <p:blipFill>
+          <a:blip r:embed="rId2">
+            <a:clrChange>
+              <a:clrFrom>
+                <a:srgbClr val="FFFFFF"/>
+              </a:clrFrom>
+              <a:clrTo>
+                <a:srgbClr val="FFFFFF">
+                  <a:alpha val="0"/>
+                </a:srgbClr>
+              </a:clrTo>
+            </a:clrChange>
+            <a:duotone>
+              <a:schemeClr val="accent1">
+                <a:shade val="45000"/>
+                <a:satMod val="135000"/>
+              </a:schemeClr>
+              <a:prstClr val="white"/>
+            </a:duotone>
+            <a:extLst>
+              <a:ext uri="{28A0092B-C50C-407E-A947-70E740481C1C}">
+                <a14:useLocalDpi xmlns:a14="http://schemas.microsoft.com/office/drawing/2010/main" val="0"/>
+              </a:ext>
+            </a:extLst>
+          </a:blip>
+          <a:srcRect/>
+          <a:stretch/>
+        </p:blipFill>
+        <p:spPr bwMode="auto">
+          <a:xfrm>
+            <a:off x="2503561" y="3837213"/>
+            <a:ext cx="509500" cy="509500"/>
+          </a:xfrm>
+          <a:prstGeom prst="rect">
+            <a:avLst/>
+          </a:prstGeom>
+          <a:noFill/>
+          <a:effectLst>
+            <a:outerShdw blurRad="50800" dist="38100" dir="2700000" algn="tl" rotWithShape="0">
+              <a:prstClr val="black">
+                <a:alpha val="40000"/>
+              </a:prstClr>
+            </a:outerShdw>
+          </a:effectLst>
+          <a:extLst>
+            <a:ext uri="{909E8E84-426E-40DD-AFC4-6F175D3DCCD1}">
+              <a14:hiddenFill xmlns:a14="http://schemas.microsoft.com/office/drawing/2010/main">
+                <a:solidFill>
+                  <a:srgbClr val="FFFFFF"/>
+                </a:solidFill>
+              </a14:hiddenFill>
+            </a:ext>
+          </a:extLst>
+        </p:spPr>
+      </p:pic>
+      <p:pic>
+        <p:nvPicPr>
+          <p:cNvPr id="42" name="Picture 10">
+            <a:extLst>
+              <a:ext uri="{FF2B5EF4-FFF2-40B4-BE49-F238E27FC236}">
+                <a16:creationId xmlns:a16="http://schemas.microsoft.com/office/drawing/2014/main" id="{41437DA3-963B-C894-7510-37C7D9E7CE5E}"/>
               </a:ext>
             </a:extLst>
           </p:cNvPr>
@@ -5444,19 +6806,24 @@
             </a:extLst>
           </a:blip>
           <a:srcRect/>
-          <a:stretch>
-            <a:fillRect/>
-          </a:stretch>
+          <a:stretch/>
         </p:blipFill>
         <p:spPr bwMode="auto">
           <a:xfrm>
-            <a:off x="4293044" y="3061017"/>
-            <a:ext cx="504174" cy="504174"/>
+            <a:off x="4331219" y="3848898"/>
+            <a:ext cx="465999" cy="465999"/>
           </a:xfrm>
           <a:prstGeom prst="rect">
             <a:avLst/>
           </a:prstGeom>
           <a:noFill/>
+          <a:effectLst>
+            <a:outerShdw blurRad="50800" dist="38100" dir="2700000" algn="tl" rotWithShape="0">
+              <a:prstClr val="black">
+                <a:alpha val="40000"/>
+              </a:prstClr>
+            </a:outerShdw>
+          </a:effectLst>
           <a:extLst>
             <a:ext uri="{909E8E84-426E-40DD-AFC4-6F175D3DCCD1}">
               <a14:hiddenFill xmlns:a14="http://schemas.microsoft.com/office/drawing/2010/main">
@@ -5468,166 +6835,486 @@
           </a:extLst>
         </p:spPr>
       </p:pic>
+      <p:sp>
+        <p:nvSpPr>
+          <p:cNvPr id="34" name="Rectangle: Rounded Corners 33">
+            <a:extLst>
+              <a:ext uri="{FF2B5EF4-FFF2-40B4-BE49-F238E27FC236}">
+                <a16:creationId xmlns:a16="http://schemas.microsoft.com/office/drawing/2014/main" id="{B3BCA0E1-F391-CAC3-526B-6FCC5EE1164D}"/>
+              </a:ext>
+            </a:extLst>
+          </p:cNvPr>
+          <p:cNvSpPr/>
+          <p:nvPr/>
+        </p:nvSpPr>
+        <p:spPr>
+          <a:xfrm>
+            <a:off x="681798" y="561770"/>
+            <a:ext cx="513977" cy="505748"/>
+          </a:xfrm>
+          <a:prstGeom prst="roundRect">
+            <a:avLst/>
+          </a:prstGeom>
+          <a:solidFill>
+            <a:srgbClr val="609CBD">
+              <a:alpha val="80000"/>
+            </a:srgbClr>
+          </a:solidFill>
+          <a:ln>
+            <a:noFill/>
+          </a:ln>
+          <a:effectLst>
+            <a:outerShdw blurRad="50800" dist="38100" dir="2700000" algn="tl" rotWithShape="0">
+              <a:prstClr val="black">
+                <a:alpha val="40000"/>
+              </a:prstClr>
+            </a:outerShdw>
+          </a:effectLst>
+        </p:spPr>
+        <p:style>
+          <a:lnRef idx="2">
+            <a:schemeClr val="accent1">
+              <a:shade val="15000"/>
+            </a:schemeClr>
+          </a:lnRef>
+          <a:fillRef idx="1">
+            <a:schemeClr val="accent1"/>
+          </a:fillRef>
+          <a:effectRef idx="0">
+            <a:schemeClr val="accent1"/>
+          </a:effectRef>
+          <a:fontRef idx="minor">
+            <a:schemeClr val="lt1"/>
+          </a:fontRef>
+        </p:style>
+        <p:txBody>
+          <a:bodyPr rtlCol="0" anchor="ctr"/>
+          <a:lstStyle/>
+          <a:p>
+            <a:pPr algn="ctr"/>
+            <a:endParaRPr lang="pt-BR" sz="1253"/>
+          </a:p>
+        </p:txBody>
+      </p:sp>
+      <p:sp>
+        <p:nvSpPr>
+          <p:cNvPr id="5" name="TextBox 4">
+            <a:extLst>
+              <a:ext uri="{FF2B5EF4-FFF2-40B4-BE49-F238E27FC236}">
+                <a16:creationId xmlns:a16="http://schemas.microsoft.com/office/drawing/2014/main" id="{1E006275-CA5A-25CA-808D-1379EB287BA6}"/>
+              </a:ext>
+            </a:extLst>
+          </p:cNvPr>
+          <p:cNvSpPr txBox="1"/>
+          <p:nvPr/>
+        </p:nvSpPr>
+        <p:spPr>
+          <a:xfrm rot="21165283">
+            <a:off x="4777748" y="1295522"/>
+            <a:ext cx="6073306" cy="2646878"/>
+          </a:xfrm>
+          <a:prstGeom prst="rect">
+            <a:avLst/>
+          </a:prstGeom>
+          <a:noFill/>
+          <a:ln>
+            <a:noFill/>
+          </a:ln>
+        </p:spPr>
+        <p:txBody>
+          <a:bodyPr wrap="square" rtlCol="0">
+            <a:spAutoFit/>
+          </a:bodyPr>
+          <a:lstStyle/>
+          <a:p>
+            <a:pPr algn="ctr"/>
+            <a:r>
+              <a:rPr lang="en-US" sz="16600" b="1" dirty="0">
+                <a:solidFill>
+                  <a:srgbClr val="00B050"/>
+                </a:solidFill>
+                <a:effectLst>
+                  <a:outerShdw blurRad="38100" dist="38100" dir="2700000" algn="tl">
+                    <a:srgbClr val="000000">
+                      <a:alpha val="43137"/>
+                    </a:srgbClr>
+                  </a:outerShdw>
+                </a:effectLst>
+                <a:latin typeface="Brush Script MT" panose="03060802040406070304" pitchFamily="66" charset="0"/>
+              </a:rPr>
+              <a:t>W</a:t>
+            </a:r>
+            <a:r>
+              <a:rPr lang="en-US" sz="13800" b="1" dirty="0">
+                <a:solidFill>
+                  <a:schemeClr val="bg1"/>
+                </a:solidFill>
+                <a:effectLst>
+                  <a:outerShdw blurRad="38100" dist="38100" dir="2700000" algn="tl">
+                    <a:srgbClr val="000000">
+                      <a:alpha val="43137"/>
+                    </a:srgbClr>
+                  </a:outerShdw>
+                </a:effectLst>
+                <a:latin typeface="MV Boli" panose="02000500030200090000" pitchFamily="2" charset="0"/>
+                <a:cs typeface="MV Boli" panose="02000500030200090000" pitchFamily="2" charset="0"/>
+              </a:rPr>
+              <a:t>ork</a:t>
+            </a:r>
+          </a:p>
+        </p:txBody>
+      </p:sp>
+      <p:sp>
+        <p:nvSpPr>
+          <p:cNvPr id="12" name="Rectangle 11">
+            <a:extLst>
+              <a:ext uri="{FF2B5EF4-FFF2-40B4-BE49-F238E27FC236}">
+                <a16:creationId xmlns:a16="http://schemas.microsoft.com/office/drawing/2014/main" id="{05C53F7A-2FD0-7B70-52BF-23B324AC3716}"/>
+              </a:ext>
+            </a:extLst>
+          </p:cNvPr>
+          <p:cNvSpPr/>
+          <p:nvPr/>
+        </p:nvSpPr>
+        <p:spPr>
+          <a:xfrm>
+            <a:off x="5525916" y="1461633"/>
+            <a:ext cx="5144959" cy="3634445"/>
+          </a:xfrm>
+          <a:prstGeom prst="rect">
+            <a:avLst/>
+          </a:prstGeom>
+          <a:noFill/>
+          <a:ln>
+            <a:noFill/>
+          </a:ln>
+        </p:spPr>
+        <p:style>
+          <a:lnRef idx="2">
+            <a:schemeClr val="accent1">
+              <a:shade val="15000"/>
+            </a:schemeClr>
+          </a:lnRef>
+          <a:fillRef idx="1">
+            <a:schemeClr val="accent1"/>
+          </a:fillRef>
+          <a:effectRef idx="0">
+            <a:schemeClr val="accent1"/>
+          </a:effectRef>
+          <a:fontRef idx="minor">
+            <a:schemeClr val="lt1"/>
+          </a:fontRef>
+        </p:style>
+        <p:txBody>
+          <a:bodyPr rtlCol="0" anchor="ctr"/>
+          <a:lstStyle/>
+          <a:p>
+            <a:pPr algn="ctr"/>
+            <a:endParaRPr lang="pt-BR"/>
+          </a:p>
+        </p:txBody>
+      </p:sp>
+      <p:sp>
+        <p:nvSpPr>
+          <p:cNvPr id="4" name="TextBox 3">
+            <a:extLst>
+              <a:ext uri="{FF2B5EF4-FFF2-40B4-BE49-F238E27FC236}">
+                <a16:creationId xmlns:a16="http://schemas.microsoft.com/office/drawing/2014/main" id="{F1845016-6446-0CFD-EE76-E668DA8B875E}"/>
+              </a:ext>
+            </a:extLst>
+          </p:cNvPr>
+          <p:cNvSpPr txBox="1"/>
+          <p:nvPr/>
+        </p:nvSpPr>
+        <p:spPr>
+          <a:xfrm rot="21149685">
+            <a:off x="5672655" y="2362518"/>
+            <a:ext cx="6098874" cy="2646878"/>
+          </a:xfrm>
+          <a:prstGeom prst="rect">
+            <a:avLst/>
+          </a:prstGeom>
+          <a:noFill/>
+          <a:ln>
+            <a:noFill/>
+          </a:ln>
+        </p:spPr>
+        <p:txBody>
+          <a:bodyPr wrap="square">
+            <a:spAutoFit/>
+          </a:bodyPr>
+          <a:lstStyle/>
+          <a:p>
+            <a:r>
+              <a:rPr lang="en-US" sz="16600" b="1" dirty="0">
+                <a:solidFill>
+                  <a:schemeClr val="tx2">
+                    <a:lumMod val="50000"/>
+                    <a:lumOff val="50000"/>
+                  </a:schemeClr>
+                </a:solidFill>
+                <a:effectLst>
+                  <a:outerShdw blurRad="38100" dist="38100" dir="2700000" algn="tl">
+                    <a:srgbClr val="000000">
+                      <a:alpha val="43137"/>
+                    </a:srgbClr>
+                  </a:outerShdw>
+                </a:effectLst>
+                <a:latin typeface="Brush Script MT" panose="03060802040406070304" pitchFamily="66" charset="0"/>
+              </a:rPr>
+              <a:t>D</a:t>
+            </a:r>
+            <a:r>
+              <a:rPr lang="en-US" sz="16600" b="1" dirty="0">
+                <a:solidFill>
+                  <a:schemeClr val="bg1"/>
+                </a:solidFill>
+                <a:effectLst>
+                  <a:outerShdw blurRad="38100" dist="38100" dir="2700000" algn="tl">
+                    <a:srgbClr val="000000">
+                      <a:alpha val="43137"/>
+                    </a:srgbClr>
+                  </a:outerShdw>
+                </a:effectLst>
+                <a:latin typeface="MV Boli" panose="02000500030200090000" pitchFamily="2" charset="0"/>
+                <a:cs typeface="MV Boli" panose="02000500030200090000" pitchFamily="2" charset="0"/>
+              </a:rPr>
+              <a:t>ays</a:t>
+            </a:r>
+            <a:endParaRPr lang="pt-BR" sz="2800" b="1" dirty="0"/>
+          </a:p>
+        </p:txBody>
+      </p:sp>
+    </p:spTree>
+    <p:extLst>
+      <p:ext uri="{BB962C8B-B14F-4D97-AF65-F5344CB8AC3E}">
+        <p14:creationId xmlns:p14="http://schemas.microsoft.com/office/powerpoint/2010/main" val="3384622554"/>
+      </p:ext>
+    </p:extLst>
+  </p:cSld>
+  <p:clrMapOvr>
+    <a:masterClrMapping/>
+  </p:clrMapOvr>
+</p:sld>
+</file>
+
+<file path=ppt/slides/slide4.xml><?xml version="1.0" encoding="utf-8"?>
+<p:sld xmlns:a="http://schemas.openxmlformats.org/drawingml/2006/main" xmlns:r="http://schemas.openxmlformats.org/officeDocument/2006/relationships" xmlns:p="http://schemas.openxmlformats.org/presentationml/2006/main">
+  <p:cSld>
+    <p:spTree>
+      <p:nvGrpSpPr>
+        <p:cNvPr id="1" name=""/>
+        <p:cNvGrpSpPr/>
+        <p:nvPr/>
+      </p:nvGrpSpPr>
+      <p:grpSpPr>
+        <a:xfrm>
+          <a:off x="0" y="0"/>
+          <a:ext cx="0" cy="0"/>
+          <a:chOff x="0" y="0"/>
+          <a:chExt cx="0" cy="0"/>
+        </a:xfrm>
+      </p:grpSpPr>
       <p:pic>
         <p:nvPicPr>
-          <p:cNvPr id="42" name="Picture 41">
-            <a:extLst>
-              <a:ext uri="{FF2B5EF4-FFF2-40B4-BE49-F238E27FC236}">
-                <a16:creationId xmlns:a16="http://schemas.microsoft.com/office/drawing/2014/main" id="{8F67E033-9BDE-7AF1-324A-7AD4FBC26D32}"/>
+          <p:cNvPr id="5" name="Picture 4" descr="A calendar with icons and text&#10;&#10;AI-generated content may be incorrect.">
+            <a:extLst>
+              <a:ext uri="{FF2B5EF4-FFF2-40B4-BE49-F238E27FC236}">
+                <a16:creationId xmlns:a16="http://schemas.microsoft.com/office/drawing/2014/main" id="{900C929F-347A-6365-89B8-678D3379D05C}"/>
               </a:ext>
             </a:extLst>
           </p:cNvPr>
           <p:cNvPicPr>
-            <a:picLocks noChangeAspect="1" noChangeArrowheads="1"/>
+            <a:picLocks noChangeAspect="1"/>
           </p:cNvPicPr>
           <p:nvPr/>
         </p:nvPicPr>
         <p:blipFill>
-          <a:blip r:embed="rId9">
-            <a:duotone>
-              <a:schemeClr val="accent1">
-                <a:shade val="45000"/>
-                <a:satMod val="135000"/>
-              </a:schemeClr>
-              <a:prstClr val="white"/>
-            </a:duotone>
+          <a:blip r:embed="rId2">
             <a:extLst>
               <a:ext uri="{28A0092B-C50C-407E-A947-70E740481C1C}">
                 <a14:useLocalDpi xmlns:a14="http://schemas.microsoft.com/office/drawing/2010/main" val="0"/>
               </a:ext>
             </a:extLst>
           </a:blip>
-          <a:srcRect/>
-          <a:stretch/>
+          <a:stretch>
+            <a:fillRect/>
+          </a:stretch>
         </p:blipFill>
-        <p:spPr bwMode="auto">
-          <a:xfrm>
-            <a:off x="2473338" y="3034203"/>
-            <a:ext cx="559178" cy="559178"/>
+        <p:spPr>
+          <a:xfrm>
+            <a:off x="0" y="0"/>
+            <a:ext cx="12192000" cy="6858000"/>
           </a:xfrm>
           <a:prstGeom prst="rect">
             <a:avLst/>
           </a:prstGeom>
-          <a:noFill/>
-          <a:extLst>
-            <a:ext uri="{909E8E84-426E-40DD-AFC4-6F175D3DCCD1}">
-              <a14:hiddenFill xmlns:a14="http://schemas.microsoft.com/office/drawing/2010/main">
-                <a:solidFill>
-                  <a:srgbClr val="FFFFFF"/>
-                </a:solidFill>
-              </a14:hiddenFill>
-            </a:ext>
-          </a:extLst>
         </p:spPr>
       </p:pic>
       <p:pic>
         <p:nvPicPr>
-          <p:cNvPr id="43" name="Picture 6">
-            <a:extLst>
-              <a:ext uri="{FF2B5EF4-FFF2-40B4-BE49-F238E27FC236}">
-                <a16:creationId xmlns:a16="http://schemas.microsoft.com/office/drawing/2014/main" id="{7DA61884-5FF0-0AC6-6D96-A7ECA8669BED}"/>
+          <p:cNvPr id="7" name="Picture 6" descr="A calendar with icons and text&#10;&#10;AI-generated content may be incorrect.">
+            <a:extLst>
+              <a:ext uri="{FF2B5EF4-FFF2-40B4-BE49-F238E27FC236}">
+                <a16:creationId xmlns:a16="http://schemas.microsoft.com/office/drawing/2014/main" id="{4ADD0C3C-6609-658F-63F8-4FDA27504331}"/>
               </a:ext>
             </a:extLst>
           </p:cNvPr>
           <p:cNvPicPr>
-            <a:picLocks noChangeAspect="1" noChangeArrowheads="1"/>
+            <a:picLocks noChangeAspect="1"/>
+          </p:cNvPicPr>
+          <p:nvPr/>
+        </p:nvPicPr>
+        <p:blipFill>
+          <a:blip r:embed="rId3">
+            <a:extLst>
+              <a:ext uri="{28A0092B-C50C-407E-A947-70E740481C1C}">
+                <a14:useLocalDpi xmlns:a14="http://schemas.microsoft.com/office/drawing/2010/main" val="0"/>
+              </a:ext>
+            </a:extLst>
+          </a:blip>
+          <a:srcRect l="53376" t="45445" r="41312"/>
+          <a:stretch/>
+        </p:blipFill>
+        <p:spPr>
+          <a:xfrm>
+            <a:off x="6507480" y="3116580"/>
+            <a:ext cx="647700" cy="3741420"/>
+          </a:xfrm>
+          <a:prstGeom prst="rect">
+            <a:avLst/>
+          </a:prstGeom>
+        </p:spPr>
+      </p:pic>
+    </p:spTree>
+    <p:extLst>
+      <p:ext uri="{BB962C8B-B14F-4D97-AF65-F5344CB8AC3E}">
+        <p14:creationId xmlns:p14="http://schemas.microsoft.com/office/powerpoint/2010/main" val="3739657334"/>
+      </p:ext>
+    </p:extLst>
+  </p:cSld>
+  <p:clrMapOvr>
+    <a:masterClrMapping/>
+  </p:clrMapOvr>
+</p:sld>
+</file>
+
+<file path=ppt/slides/slide5.xml><?xml version="1.0" encoding="utf-8"?>
+<p:sld xmlns:a="http://schemas.openxmlformats.org/drawingml/2006/main" xmlns:r="http://schemas.openxmlformats.org/officeDocument/2006/relationships" xmlns:p="http://schemas.openxmlformats.org/presentationml/2006/main">
+  <p:cSld>
+    <p:spTree>
+      <p:nvGrpSpPr>
+        <p:cNvPr id="1" name=""/>
+        <p:cNvGrpSpPr/>
+        <p:nvPr/>
+      </p:nvGrpSpPr>
+      <p:grpSpPr>
+        <a:xfrm>
+          <a:off x="0" y="0"/>
+          <a:ext cx="0" cy="0"/>
+          <a:chOff x="0" y="0"/>
+          <a:chExt cx="0" cy="0"/>
+        </a:xfrm>
+      </p:grpSpPr>
+      <p:pic>
+        <p:nvPicPr>
+          <p:cNvPr id="7" name="Picture 6">
+            <a:extLst>
+              <a:ext uri="{FF2B5EF4-FFF2-40B4-BE49-F238E27FC236}">
+                <a16:creationId xmlns:a16="http://schemas.microsoft.com/office/drawing/2014/main" id="{45083DAA-4951-0B6E-AA3D-B333597669DD}"/>
+              </a:ext>
+            </a:extLst>
+          </p:cNvPr>
+          <p:cNvPicPr>
+            <a:picLocks noChangeAspect="1"/>
+          </p:cNvPicPr>
+          <p:nvPr/>
+        </p:nvPicPr>
+        <p:blipFill>
+          <a:blip r:embed="rId2"/>
+          <a:stretch>
+            <a:fillRect/>
+          </a:stretch>
+        </p:blipFill>
+        <p:spPr>
+          <a:xfrm>
+            <a:off x="11585602" y="6151793"/>
+            <a:ext cx="523948" cy="342948"/>
+          </a:xfrm>
+          <a:prstGeom prst="rect">
+            <a:avLst/>
+          </a:prstGeom>
+        </p:spPr>
+      </p:pic>
+      <p:pic>
+        <p:nvPicPr>
+          <p:cNvPr id="9" name="Picture 8">
+            <a:extLst>
+              <a:ext uri="{FF2B5EF4-FFF2-40B4-BE49-F238E27FC236}">
+                <a16:creationId xmlns:a16="http://schemas.microsoft.com/office/drawing/2014/main" id="{9603A52D-35DE-A714-B0DD-3507B0CE750D}"/>
+              </a:ext>
+            </a:extLst>
+          </p:cNvPr>
+          <p:cNvPicPr>
+            <a:picLocks noChangeAspect="1"/>
+          </p:cNvPicPr>
+          <p:nvPr/>
+        </p:nvPicPr>
+        <p:blipFill>
+          <a:blip r:embed="rId3"/>
+          <a:stretch>
+            <a:fillRect/>
+          </a:stretch>
+        </p:blipFill>
+        <p:spPr>
+          <a:xfrm rot="1427499" flipH="1">
+            <a:off x="11827654" y="6424688"/>
+            <a:ext cx="45719" cy="429730"/>
+          </a:xfrm>
+          <a:prstGeom prst="rect">
+            <a:avLst/>
+          </a:prstGeom>
+        </p:spPr>
+      </p:pic>
+      <p:pic>
+        <p:nvPicPr>
+          <p:cNvPr id="2" name="Picture 1" descr="A calendar with icons and text">
+            <a:extLst>
+              <a:ext uri="{FF2B5EF4-FFF2-40B4-BE49-F238E27FC236}">
+                <a16:creationId xmlns:a16="http://schemas.microsoft.com/office/drawing/2014/main" id="{BDD4270A-5F2F-E505-2DE2-DE216317264A}"/>
+              </a:ext>
+            </a:extLst>
+          </p:cNvPr>
+          <p:cNvPicPr>
+            <a:picLocks noChangeAspect="1"/>
           </p:cNvPicPr>
           <p:nvPr/>
         </p:nvPicPr>
         <p:blipFill>
           <a:blip r:embed="rId4">
-            <a:duotone>
-              <a:schemeClr val="accent1">
-                <a:shade val="45000"/>
-                <a:satMod val="135000"/>
-              </a:schemeClr>
-              <a:prstClr val="white"/>
-            </a:duotone>
             <a:extLst>
               <a:ext uri="{28A0092B-C50C-407E-A947-70E740481C1C}">
                 <a14:useLocalDpi xmlns:a14="http://schemas.microsoft.com/office/drawing/2010/main" val="0"/>
               </a:ext>
             </a:extLst>
           </a:blip>
-          <a:srcRect/>
+          <a:srcRect l="1200" t="2475" r="1468" b="1466"/>
           <a:stretch/>
         </p:blipFill>
-        <p:spPr bwMode="auto">
-          <a:xfrm>
-            <a:off x="2523016" y="3837213"/>
-            <a:ext cx="509500" cy="509500"/>
+        <p:spPr>
+          <a:xfrm>
+            <a:off x="0" y="0"/>
+            <a:ext cx="12192000" cy="6857999"/>
           </a:xfrm>
           <a:prstGeom prst="rect">
             <a:avLst/>
           </a:prstGeom>
-          <a:noFill/>
-          <a:extLst>
-            <a:ext uri="{909E8E84-426E-40DD-AFC4-6F175D3DCCD1}">
-              <a14:hiddenFill xmlns:a14="http://schemas.microsoft.com/office/drawing/2010/main">
-                <a:solidFill>
-                  <a:srgbClr val="FFFFFF"/>
-                </a:solidFill>
-              </a14:hiddenFill>
-            </a:ext>
-          </a:extLst>
-        </p:spPr>
-      </p:pic>
-      <p:pic>
-        <p:nvPicPr>
-          <p:cNvPr id="44" name="Picture 10">
-            <a:extLst>
-              <a:ext uri="{FF2B5EF4-FFF2-40B4-BE49-F238E27FC236}">
-                <a16:creationId xmlns:a16="http://schemas.microsoft.com/office/drawing/2014/main" id="{CA68DA79-2E8A-2FA6-0FEB-E6753D423AEC}"/>
-              </a:ext>
-            </a:extLst>
-          </p:cNvPr>
-          <p:cNvPicPr>
-            <a:picLocks noChangeAspect="1" noChangeArrowheads="1"/>
-          </p:cNvPicPr>
-          <p:nvPr/>
-        </p:nvPicPr>
-        <p:blipFill>
-          <a:blip r:embed="rId10">
-            <a:duotone>
-              <a:schemeClr val="accent1">
-                <a:shade val="45000"/>
-                <a:satMod val="135000"/>
-              </a:schemeClr>
-              <a:prstClr val="white"/>
-            </a:duotone>
-            <a:extLst>
-              <a:ext uri="{28A0092B-C50C-407E-A947-70E740481C1C}">
-                <a14:useLocalDpi xmlns:a14="http://schemas.microsoft.com/office/drawing/2010/main" val="0"/>
-              </a:ext>
-            </a:extLst>
-          </a:blip>
-          <a:srcRect/>
-          <a:stretch/>
-        </p:blipFill>
-        <p:spPr bwMode="auto">
-          <a:xfrm>
-            <a:off x="4331219" y="3848898"/>
-            <a:ext cx="465999" cy="465999"/>
-          </a:xfrm>
-          <a:prstGeom prst="rect">
-            <a:avLst/>
-          </a:prstGeom>
-          <a:noFill/>
-          <a:extLst>
-            <a:ext uri="{909E8E84-426E-40DD-AFC4-6F175D3DCCD1}">
-              <a14:hiddenFill xmlns:a14="http://schemas.microsoft.com/office/drawing/2010/main">
-                <a:solidFill>
-                  <a:srgbClr val="FFFFFF"/>
-                </a:solidFill>
-              </a14:hiddenFill>
-            </a:ext>
-          </a:extLst>
         </p:spPr>
       </p:pic>
     </p:spTree>
     <p:extLst>
       <p:ext uri="{BB962C8B-B14F-4D97-AF65-F5344CB8AC3E}">
-        <p14:creationId xmlns:p14="http://schemas.microsoft.com/office/powerpoint/2010/main" val="1979757164"/>
+        <p14:creationId xmlns:p14="http://schemas.microsoft.com/office/powerpoint/2010/main" val="844649689"/>
       </p:ext>
     </p:extLst>
   </p:cSld>
